--- a/slides/ghana_snakemake.pptx
+++ b/slides/ghana_snakemake.pptx
@@ -5684,7 +5684,7 @@
         <p:spPr bwMode="auto">
           <a:xfrm>
             <a:off x="4951413" y="3813175"/>
-            <a:ext cx="2765425" cy="841375"/>
+            <a:ext cx="2765425" cy="830420"/>
           </a:xfrm>
           <a:prstGeom prst="rect">
             <a:avLst/>
@@ -5843,16 +5843,6 @@
               <a:defRPr/>
             </a:pPr>
             <a:r>
-              <a:rPr lang="de-DE" sz="1313" b="1" dirty="0">
-                <a:solidFill>
-                  <a:srgbClr val="0066CC"/>
-                </a:solidFill>
-                <a:latin typeface="Arial" pitchFamily="34" charset="0"/>
-                <a:cs typeface="Arial" pitchFamily="34" charset="0"/>
-              </a:rPr>
-              <a:t>Linux </a:t>
-            </a:r>
-            <a:r>
               <a:rPr lang="de-DE" sz="1313" b="1" dirty="0" err="1">
                 <a:solidFill>
                   <a:srgbClr val="0066CC"/>
@@ -5860,7 +5850,7 @@
                 <a:latin typeface="Arial" pitchFamily="34" charset="0"/>
                 <a:cs typeface="Arial" pitchFamily="34" charset="0"/>
               </a:rPr>
-              <a:t>commandline</a:t>
+              <a:t>Snakemake</a:t>
             </a:r>
             <a:endParaRPr lang="de-DE" sz="1313" b="1" dirty="0">
               <a:solidFill>
@@ -5869,54 +5859,6 @@
               <a:latin typeface="Arial" pitchFamily="34" charset="0"/>
               <a:cs typeface="Arial" pitchFamily="34" charset="0"/>
             </a:endParaRPr>
-          </a:p>
-          <a:p>
-            <a:pPr marL="0" indent="0" algn="r" eaLnBrk="1" hangingPunct="1">
-              <a:lnSpc>
-                <a:spcPct val="120000"/>
-              </a:lnSpc>
-              <a:spcBef>
-                <a:spcPts val="225"/>
-              </a:spcBef>
-              <a:spcAft>
-                <a:spcPts val="450"/>
-              </a:spcAft>
-              <a:buClr>
-                <a:srgbClr val="0066CC"/>
-              </a:buClr>
-              <a:buSzPct val="110000"/>
-              <a:defRPr/>
-            </a:pPr>
-            <a:r>
-              <a:rPr lang="de-DE" sz="1313" dirty="0">
-                <a:solidFill>
-                  <a:srgbClr val="0066CC"/>
-                </a:solidFill>
-                <a:latin typeface="Arial" pitchFamily="34" charset="0"/>
-                <a:cs typeface="Arial" pitchFamily="34" charset="0"/>
-              </a:rPr>
-              <a:t>SEEG </a:t>
-            </a:r>
-            <a:r>
-              <a:rPr lang="de-DE" sz="1313" dirty="0" err="1">
-                <a:solidFill>
-                  <a:srgbClr val="0066CC"/>
-                </a:solidFill>
-                <a:latin typeface="Arial" pitchFamily="34" charset="0"/>
-                <a:cs typeface="Arial" pitchFamily="34" charset="0"/>
-              </a:rPr>
-              <a:t>mission</a:t>
-            </a:r>
-            <a:r>
-              <a:rPr lang="de-DE" sz="1313" dirty="0">
-                <a:solidFill>
-                  <a:srgbClr val="0066CC"/>
-                </a:solidFill>
-                <a:latin typeface="Arial" pitchFamily="34" charset="0"/>
-                <a:cs typeface="Arial" pitchFamily="34" charset="0"/>
-              </a:rPr>
-              <a:t> Assam</a:t>
-            </a:r>
           </a:p>
           <a:p>
             <a:pPr marL="0" indent="0" algn="r" eaLnBrk="1" hangingPunct="1">
@@ -5936,6 +5878,16 @@
               <a:defRPr/>
             </a:pPr>
             <a:r>
+              <a:rPr lang="de-DE" sz="1050" dirty="0" err="1">
+                <a:solidFill>
+                  <a:srgbClr val="0066CC"/>
+                </a:solidFill>
+                <a:latin typeface="Arial" pitchFamily="34" charset="0"/>
+                <a:cs typeface="Arial" pitchFamily="34" charset="0"/>
+              </a:rPr>
+              <a:t>Bioinformatics</a:t>
+            </a:r>
+            <a:r>
               <a:rPr lang="de-DE" sz="1050" dirty="0">
                 <a:solidFill>
                   <a:srgbClr val="0066CC"/>
@@ -5943,7 +5895,35 @@
                 <a:latin typeface="Arial" pitchFamily="34" charset="0"/>
                 <a:cs typeface="Arial" pitchFamily="34" charset="0"/>
               </a:rPr>
-              <a:t>November 2022</a:t>
+              <a:t> Workshop KCCR</a:t>
+            </a:r>
+          </a:p>
+          <a:p>
+            <a:pPr marL="0" indent="0" algn="r" eaLnBrk="1" hangingPunct="1">
+              <a:lnSpc>
+                <a:spcPct val="120000"/>
+              </a:lnSpc>
+              <a:spcBef>
+                <a:spcPts val="450"/>
+              </a:spcBef>
+              <a:spcAft>
+                <a:spcPts val="450"/>
+              </a:spcAft>
+              <a:buClr>
+                <a:srgbClr val="0066CC"/>
+              </a:buClr>
+              <a:buSzPct val="110000"/>
+              <a:defRPr/>
+            </a:pPr>
+            <a:r>
+              <a:rPr lang="de-DE" sz="1050" dirty="0">
+                <a:solidFill>
+                  <a:srgbClr val="0066CC"/>
+                </a:solidFill>
+                <a:latin typeface="Arial" pitchFamily="34" charset="0"/>
+                <a:cs typeface="Arial" pitchFamily="34" charset="0"/>
+              </a:rPr>
+              <a:t>August 2023</a:t>
             </a:r>
           </a:p>
         </p:txBody>

--- a/slides/ghana_snakemake.pptx
+++ b/slides/ghana_snakemake.pptx
@@ -5,7 +5,7 @@
     <p:sldMasterId id="2147483648" r:id="rId1"/>
   </p:sldMasterIdLst>
   <p:notesMasterIdLst>
-    <p:notesMasterId r:id="rId22"/>
+    <p:notesMasterId r:id="rId25"/>
   </p:notesMasterIdLst>
   <p:sldIdLst>
     <p:sldId id="257" r:id="rId2"/>
@@ -26,8 +26,11 @@
     <p:sldId id="284" r:id="rId17"/>
     <p:sldId id="292" r:id="rId18"/>
     <p:sldId id="293" r:id="rId19"/>
-    <p:sldId id="290" r:id="rId20"/>
-    <p:sldId id="291" r:id="rId21"/>
+    <p:sldId id="294" r:id="rId20"/>
+    <p:sldId id="296" r:id="rId21"/>
+    <p:sldId id="297" r:id="rId22"/>
+    <p:sldId id="298" r:id="rId23"/>
+    <p:sldId id="295" r:id="rId24"/>
   </p:sldIdLst>
   <p:sldSz cx="9144000" cy="5143500" type="screen16x9"/>
   <p:notesSz cx="6858000" cy="9144000"/>
@@ -1629,91 +1632,6 @@
     <p:extLst>
       <p:ext uri="{BB962C8B-B14F-4D97-AF65-F5344CB8AC3E}">
         <p14:creationId xmlns:p14="http://schemas.microsoft.com/office/powerpoint/2010/main" val="4224326318"/>
-      </p:ext>
-    </p:extLst>
-  </p:cSld>
-  <p:clrMapOvr>
-    <a:masterClrMapping/>
-  </p:clrMapOvr>
-</p:notes>
-</file>
-
-<file path=ppt/notesSlides/notesSlide17.xml><?xml version="1.0" encoding="utf-8"?>
-<p:notes xmlns:a="http://schemas.openxmlformats.org/drawingml/2006/main" xmlns:r="http://schemas.openxmlformats.org/officeDocument/2006/relationships" xmlns:p="http://schemas.openxmlformats.org/presentationml/2006/main">
-  <p:cSld>
-    <p:spTree>
-      <p:nvGrpSpPr>
-        <p:cNvPr id="1" name=""/>
-        <p:cNvGrpSpPr/>
-        <p:nvPr/>
-      </p:nvGrpSpPr>
-      <p:grpSpPr>
-        <a:xfrm>
-          <a:off x="0" y="0"/>
-          <a:ext cx="0" cy="0"/>
-          <a:chOff x="0" y="0"/>
-          <a:chExt cx="0" cy="0"/>
-        </a:xfrm>
-      </p:grpSpPr>
-      <p:sp>
-        <p:nvSpPr>
-          <p:cNvPr id="2" name="Slide Image Placeholder 1"/>
-          <p:cNvSpPr>
-            <a:spLocks noGrp="1" noRot="1" noChangeAspect="1"/>
-          </p:cNvSpPr>
-          <p:nvPr>
-            <p:ph type="sldImg"/>
-          </p:nvPr>
-        </p:nvSpPr>
-        <p:spPr/>
-      </p:sp>
-      <p:sp>
-        <p:nvSpPr>
-          <p:cNvPr id="3" name="Notes Placeholder 2"/>
-          <p:cNvSpPr>
-            <a:spLocks noGrp="1"/>
-          </p:cNvSpPr>
-          <p:nvPr>
-            <p:ph type="body" idx="1"/>
-          </p:nvPr>
-        </p:nvSpPr>
-        <p:spPr/>
-        <p:txBody>
-          <a:bodyPr/>
-          <a:lstStyle/>
-          <a:p>
-            <a:endParaRPr lang="en-US" dirty="0"/>
-          </a:p>
-        </p:txBody>
-      </p:sp>
-      <p:sp>
-        <p:nvSpPr>
-          <p:cNvPr id="4" name="Slide Number Placeholder 3"/>
-          <p:cNvSpPr>
-            <a:spLocks noGrp="1"/>
-          </p:cNvSpPr>
-          <p:nvPr>
-            <p:ph type="sldNum" sz="quarter" idx="5"/>
-          </p:nvPr>
-        </p:nvSpPr>
-        <p:spPr/>
-        <p:txBody>
-          <a:bodyPr/>
-          <a:lstStyle/>
-          <a:p>
-            <a:fld id="{EB659993-E3E7-DC47-85F5-E2C9C32D205E}" type="slidenum">
-              <a:rPr lang="de-DE" altLang="de-DE" smtClean="0"/>
-              <a:pPr/>
-              <a:t>16</a:t>
-            </a:fld>
-            <a:endParaRPr lang="de-DE" altLang="de-DE"/>
-          </a:p>
-        </p:txBody>
-      </p:sp>
-    </p:spTree>
-    <p:extLst>
-      <p:ext uri="{BB962C8B-B14F-4D97-AF65-F5344CB8AC3E}">
-        <p14:creationId xmlns:p14="http://schemas.microsoft.com/office/powerpoint/2010/main" val="4028737457"/>
       </p:ext>
     </p:extLst>
   </p:cSld>
@@ -5684,7 +5602,7 @@
         <p:spPr bwMode="auto">
           <a:xfrm>
             <a:off x="4951413" y="3813175"/>
-            <a:ext cx="2765425" cy="830420"/>
+            <a:ext cx="2765425" cy="841375"/>
           </a:xfrm>
           <a:prstGeom prst="rect">
             <a:avLst/>
@@ -5866,7 +5784,7 @@
                 <a:spcPct val="120000"/>
               </a:lnSpc>
               <a:spcBef>
-                <a:spcPts val="450"/>
+                <a:spcPts val="225"/>
               </a:spcBef>
               <a:spcAft>
                 <a:spcPts val="450"/>
@@ -5878,17 +5796,17 @@
               <a:defRPr/>
             </a:pPr>
             <a:r>
-              <a:rPr lang="de-DE" sz="1050" dirty="0" err="1">
+              <a:rPr lang="de-DE" sz="1313" dirty="0" err="1">
                 <a:solidFill>
                   <a:srgbClr val="0066CC"/>
                 </a:solidFill>
                 <a:latin typeface="Arial" pitchFamily="34" charset="0"/>
                 <a:cs typeface="Arial" pitchFamily="34" charset="0"/>
               </a:rPr>
-              <a:t>Bioinformatics</a:t>
-            </a:r>
-            <a:r>
-              <a:rPr lang="de-DE" sz="1050" dirty="0">
+              <a:t>Bioinformatic</a:t>
+            </a:r>
+            <a:r>
+              <a:rPr lang="de-DE" sz="1313" dirty="0">
                 <a:solidFill>
                   <a:srgbClr val="0066CC"/>
                 </a:solidFill>
@@ -6573,7 +6491,7 @@
           <a:p>
             <a:r>
               <a:rPr lang="en-US" dirty="0"/>
-              <a:t>Hands on</a:t>
+              <a:t>Exercise</a:t>
             </a:r>
           </a:p>
         </p:txBody>
@@ -6593,7 +6511,7 @@
         <p:spPr>
           <a:xfrm>
             <a:off x="1691680" y="2145211"/>
-            <a:ext cx="4919937" cy="353943"/>
+            <a:ext cx="5921814" cy="353943"/>
           </a:xfrm>
           <a:prstGeom prst="rect">
             <a:avLst/>
@@ -6608,7 +6526,7 @@
           <a:p>
             <a:r>
               <a:rPr lang="en-US" dirty="0"/>
-              <a:t>Replacing the input files manually in PyCharm….</a:t>
+              <a:t>Use Snakefile_start2 to count the lines in the other two files</a:t>
             </a:r>
           </a:p>
         </p:txBody>
@@ -6745,8 +6663,8 @@
         </p:nvSpPr>
         <p:spPr>
           <a:xfrm>
-            <a:off x="3275856" y="3939902"/>
-            <a:ext cx="827471" cy="353943"/>
+            <a:off x="2576576" y="3958709"/>
+            <a:ext cx="2903359" cy="353943"/>
           </a:xfrm>
           <a:prstGeom prst="rect">
             <a:avLst/>
@@ -6765,8 +6683,21 @@
                   <a:schemeClr val="tx2"/>
                 </a:solidFill>
               </a:rPr>
-              <a:t>rule all</a:t>
-            </a:r>
+              <a:t>rule </a:t>
+            </a:r>
+            <a:r>
+              <a:rPr lang="en-US" dirty="0" err="1">
+                <a:solidFill>
+                  <a:schemeClr val="tx2"/>
+                </a:solidFill>
+              </a:rPr>
+              <a:t>summarize_line_counts</a:t>
+            </a:r>
+            <a:endParaRPr lang="en-US" dirty="0">
+              <a:solidFill>
+                <a:schemeClr val="tx2"/>
+              </a:solidFill>
+            </a:endParaRPr>
           </a:p>
         </p:txBody>
       </p:sp>
@@ -7850,1010 +7781,189 @@
       </p:grpSpPr>
       <p:sp>
         <p:nvSpPr>
-          <p:cNvPr id="4" name="TextBox 3">
-            <a:extLst>
-              <a:ext uri="{FF2B5EF4-FFF2-40B4-BE49-F238E27FC236}">
-                <a16:creationId xmlns:a16="http://schemas.microsoft.com/office/drawing/2014/main" id="{4A9EBE58-81CE-94A2-938B-969B9C07C8D8}"/>
-              </a:ext>
-            </a:extLst>
-          </p:cNvPr>
-          <p:cNvSpPr txBox="1"/>
-          <p:nvPr/>
-        </p:nvSpPr>
-        <p:spPr>
-          <a:xfrm>
-            <a:off x="6711188" y="4227934"/>
-            <a:ext cx="827471" cy="353943"/>
-          </a:xfrm>
-          <a:prstGeom prst="rect">
-            <a:avLst/>
-          </a:prstGeom>
-          <a:noFill/>
-        </p:spPr>
-        <p:txBody>
-          <a:bodyPr wrap="none" rtlCol="0">
-            <a:spAutoFit/>
-          </a:bodyPr>
+          <p:cNvPr id="2" name="Title 1">
+            <a:extLst>
+              <a:ext uri="{FF2B5EF4-FFF2-40B4-BE49-F238E27FC236}">
+                <a16:creationId xmlns:a16="http://schemas.microsoft.com/office/drawing/2014/main" id="{51AAE498-4FA6-C6B1-4379-4DC028A6F75B}"/>
+              </a:ext>
+            </a:extLst>
+          </p:cNvPr>
+          <p:cNvSpPr>
+            <a:spLocks noGrp="1"/>
+          </p:cNvSpPr>
+          <p:nvPr>
+            <p:ph type="title"/>
+          </p:nvPr>
+        </p:nvSpPr>
+        <p:spPr/>
+        <p:txBody>
+          <a:bodyPr/>
           <a:lstStyle/>
           <a:p>
             <a:r>
-              <a:rPr lang="en-US" dirty="0">
-                <a:solidFill>
-                  <a:schemeClr val="tx2"/>
-                </a:solidFill>
-              </a:rPr>
-              <a:t>rule all</a:t>
-            </a:r>
-          </a:p>
-        </p:txBody>
-      </p:sp>
-      <p:cxnSp>
-        <p:nvCxnSpPr>
-          <p:cNvPr id="6" name="Straight Arrow Connector 5">
-            <a:extLst>
-              <a:ext uri="{FF2B5EF4-FFF2-40B4-BE49-F238E27FC236}">
-                <a16:creationId xmlns:a16="http://schemas.microsoft.com/office/drawing/2014/main" id="{81A0813D-D482-D61F-37BE-4778D413ABF3}"/>
-              </a:ext>
-            </a:extLst>
-          </p:cNvPr>
-          <p:cNvCxnSpPr/>
-          <p:nvPr/>
-        </p:nvCxnSpPr>
-        <p:spPr bwMode="auto">
-          <a:xfrm>
-            <a:off x="2123728" y="2859782"/>
-            <a:ext cx="1080120" cy="504056"/>
-          </a:xfrm>
-          <a:prstGeom prst="straightConnector1">
-            <a:avLst/>
-          </a:prstGeom>
-          <a:solidFill>
-            <a:schemeClr val="accent1"/>
-          </a:solidFill>
-          <a:ln w="9525" cap="flat" cmpd="sng" algn="ctr">
-            <a:solidFill>
-              <a:schemeClr val="tx1"/>
-            </a:solidFill>
-            <a:prstDash val="solid"/>
-            <a:round/>
-            <a:headEnd type="none" w="med" len="med"/>
-            <a:tailEnd type="triangle"/>
-          </a:ln>
-          <a:effectLst/>
-          <a:extLst>
-            <a:ext uri="{AF507438-7753-43E0-B8FC-AC1667EBCBE1}">
-              <a14:hiddenEffects xmlns:a14="http://schemas.microsoft.com/office/drawing/2010/main">
-                <a:effectLst>
-                  <a:outerShdw dist="35921" dir="2700000" algn="ctr" rotWithShape="0">
-                    <a:schemeClr val="bg2"/>
-                  </a:outerShdw>
-                </a:effectLst>
-              </a14:hiddenEffects>
-            </a:ext>
-          </a:extLst>
-        </p:spPr>
-      </p:cxnSp>
-      <p:cxnSp>
-        <p:nvCxnSpPr>
-          <p:cNvPr id="7" name="Straight Arrow Connector 6">
-            <a:extLst>
-              <a:ext uri="{FF2B5EF4-FFF2-40B4-BE49-F238E27FC236}">
-                <a16:creationId xmlns:a16="http://schemas.microsoft.com/office/drawing/2014/main" id="{C65D5BBA-6306-8553-0A8E-B94562F936EB}"/>
-              </a:ext>
-            </a:extLst>
-          </p:cNvPr>
-          <p:cNvCxnSpPr/>
-          <p:nvPr/>
-        </p:nvCxnSpPr>
-        <p:spPr bwMode="auto">
-          <a:xfrm>
-            <a:off x="3656407" y="2829338"/>
-            <a:ext cx="0" cy="534500"/>
-          </a:xfrm>
-          <a:prstGeom prst="straightConnector1">
-            <a:avLst/>
-          </a:prstGeom>
-          <a:solidFill>
-            <a:schemeClr val="accent1"/>
-          </a:solidFill>
-          <a:ln w="9525" cap="flat" cmpd="sng" algn="ctr">
-            <a:solidFill>
-              <a:schemeClr val="tx1"/>
-            </a:solidFill>
-            <a:prstDash val="solid"/>
-            <a:round/>
-            <a:headEnd type="none" w="med" len="med"/>
-            <a:tailEnd type="triangle"/>
-          </a:ln>
-          <a:effectLst/>
-          <a:extLst>
-            <a:ext uri="{AF507438-7753-43E0-B8FC-AC1667EBCBE1}">
-              <a14:hiddenEffects xmlns:a14="http://schemas.microsoft.com/office/drawing/2010/main">
-                <a:effectLst>
-                  <a:outerShdw dist="35921" dir="2700000" algn="ctr" rotWithShape="0">
-                    <a:schemeClr val="bg2"/>
-                  </a:outerShdw>
-                </a:effectLst>
-              </a14:hiddenEffects>
-            </a:ext>
-          </a:extLst>
-        </p:spPr>
-      </p:cxnSp>
-      <p:cxnSp>
-        <p:nvCxnSpPr>
-          <p:cNvPr id="9" name="Straight Arrow Connector 8">
-            <a:extLst>
-              <a:ext uri="{FF2B5EF4-FFF2-40B4-BE49-F238E27FC236}">
-                <a16:creationId xmlns:a16="http://schemas.microsoft.com/office/drawing/2014/main" id="{407C9787-881A-6006-E2FB-59AE02E6279C}"/>
-              </a:ext>
-            </a:extLst>
-          </p:cNvPr>
-          <p:cNvCxnSpPr/>
-          <p:nvPr/>
-        </p:nvCxnSpPr>
-        <p:spPr bwMode="auto">
-          <a:xfrm flipH="1">
-            <a:off x="4103327" y="2829338"/>
-            <a:ext cx="1044737" cy="534500"/>
-          </a:xfrm>
-          <a:prstGeom prst="straightConnector1">
-            <a:avLst/>
-          </a:prstGeom>
-          <a:solidFill>
-            <a:schemeClr val="accent1"/>
-          </a:solidFill>
-          <a:ln w="9525" cap="flat" cmpd="sng" algn="ctr">
-            <a:solidFill>
-              <a:schemeClr val="tx1"/>
-            </a:solidFill>
-            <a:prstDash val="solid"/>
-            <a:round/>
-            <a:headEnd type="none" w="med" len="med"/>
-            <a:tailEnd type="triangle"/>
-          </a:ln>
-          <a:effectLst/>
-          <a:extLst>
-            <a:ext uri="{AF507438-7753-43E0-B8FC-AC1667EBCBE1}">
-              <a14:hiddenEffects xmlns:a14="http://schemas.microsoft.com/office/drawing/2010/main">
-                <a:effectLst>
-                  <a:outerShdw dist="35921" dir="2700000" algn="ctr" rotWithShape="0">
-                    <a:schemeClr val="bg2"/>
-                  </a:outerShdw>
-                </a:effectLst>
-              </a14:hiddenEffects>
-            </a:ext>
-          </a:extLst>
-        </p:spPr>
-      </p:cxnSp>
-      <p:sp>
-        <p:nvSpPr>
-          <p:cNvPr id="12" name="TextBox 11">
-            <a:extLst>
-              <a:ext uri="{FF2B5EF4-FFF2-40B4-BE49-F238E27FC236}">
-                <a16:creationId xmlns:a16="http://schemas.microsoft.com/office/drawing/2014/main" id="{F289BD25-670E-BBB9-26BB-0CE2B11CEA4C}"/>
-              </a:ext>
-            </a:extLst>
-          </p:cNvPr>
-          <p:cNvSpPr txBox="1"/>
-          <p:nvPr/>
-        </p:nvSpPr>
-        <p:spPr>
-          <a:xfrm>
-            <a:off x="35496" y="2475395"/>
-            <a:ext cx="2541080" cy="353943"/>
-          </a:xfrm>
-          <a:prstGeom prst="rect">
-            <a:avLst/>
-          </a:prstGeom>
-          <a:noFill/>
-        </p:spPr>
-        <p:txBody>
-          <a:bodyPr wrap="none" rtlCol="0">
-            <a:spAutoFit/>
-          </a:bodyPr>
+              <a:rPr lang="en-US" dirty="0" err="1"/>
+              <a:t>Snakemake</a:t>
+            </a:r>
+            <a:r>
+              <a:rPr lang="en-US" dirty="0"/>
+              <a:t> exercises</a:t>
+            </a:r>
+          </a:p>
+        </p:txBody>
+      </p:sp>
+      <p:sp>
+        <p:nvSpPr>
+          <p:cNvPr id="3" name="Content Placeholder 2">
+            <a:extLst>
+              <a:ext uri="{FF2B5EF4-FFF2-40B4-BE49-F238E27FC236}">
+                <a16:creationId xmlns:a16="http://schemas.microsoft.com/office/drawing/2014/main" id="{D10DDDBA-3E82-E50D-4C07-CB5D3DFAEC76}"/>
+              </a:ext>
+            </a:extLst>
+          </p:cNvPr>
+          <p:cNvSpPr>
+            <a:spLocks noGrp="1"/>
+          </p:cNvSpPr>
+          <p:nvPr>
+            <p:ph idx="1"/>
+          </p:nvPr>
+        </p:nvSpPr>
+        <p:spPr/>
+        <p:txBody>
+          <a:bodyPr/>
           <a:lstStyle/>
           <a:p>
             <a:r>
-              <a:rPr lang="en-US" dirty="0"/>
-              <a:t>1-Karamazov_counts.txt</a:t>
-            </a:r>
-          </a:p>
-        </p:txBody>
-      </p:sp>
-      <p:sp>
-        <p:nvSpPr>
-          <p:cNvPr id="13" name="TextBox 12">
-            <a:extLst>
-              <a:ext uri="{FF2B5EF4-FFF2-40B4-BE49-F238E27FC236}">
-                <a16:creationId xmlns:a16="http://schemas.microsoft.com/office/drawing/2014/main" id="{2DC67421-C0B5-EFA8-9254-F2CB8D0D1ED3}"/>
-              </a:ext>
-            </a:extLst>
-          </p:cNvPr>
-          <p:cNvSpPr txBox="1"/>
-          <p:nvPr/>
-        </p:nvSpPr>
-        <p:spPr>
-          <a:xfrm>
-            <a:off x="2606867" y="2466786"/>
-            <a:ext cx="1787669" cy="353943"/>
-          </a:xfrm>
-          <a:prstGeom prst="rect">
-            <a:avLst/>
-          </a:prstGeom>
-          <a:noFill/>
-        </p:spPr>
-        <p:txBody>
-          <a:bodyPr wrap="none" rtlCol="0">
-            <a:spAutoFit/>
-          </a:bodyPr>
-          <a:lstStyle/>
-          <a:p>
-            <a:r>
-              <a:rPr lang="en-US" dirty="0"/>
-              <a:t>2-trial_counts.txt</a:t>
-            </a:r>
-          </a:p>
-        </p:txBody>
-      </p:sp>
-      <p:sp>
-        <p:nvSpPr>
-          <p:cNvPr id="14" name="TextBox 13">
-            <a:extLst>
-              <a:ext uri="{FF2B5EF4-FFF2-40B4-BE49-F238E27FC236}">
-                <a16:creationId xmlns:a16="http://schemas.microsoft.com/office/drawing/2014/main" id="{098C9DB6-0AB1-2908-2BBF-F48FDE6F74D3}"/>
-              </a:ext>
-            </a:extLst>
-          </p:cNvPr>
-          <p:cNvSpPr txBox="1"/>
-          <p:nvPr/>
-        </p:nvSpPr>
-        <p:spPr>
-          <a:xfrm>
-            <a:off x="4536124" y="2466786"/>
-            <a:ext cx="2164375" cy="353943"/>
-          </a:xfrm>
-          <a:prstGeom prst="rect">
-            <a:avLst/>
-          </a:prstGeom>
-          <a:noFill/>
-        </p:spPr>
-        <p:txBody>
-          <a:bodyPr wrap="none" rtlCol="0">
-            <a:spAutoFit/>
-          </a:bodyPr>
-          <a:lstStyle/>
-          <a:p>
-            <a:r>
-              <a:rPr lang="en-US" dirty="0"/>
-              <a:t>3-ulysses_counts.txt</a:t>
-            </a:r>
-          </a:p>
-        </p:txBody>
-      </p:sp>
-      <p:sp>
-        <p:nvSpPr>
-          <p:cNvPr id="15" name="TextBox 14">
-            <a:extLst>
-              <a:ext uri="{FF2B5EF4-FFF2-40B4-BE49-F238E27FC236}">
-                <a16:creationId xmlns:a16="http://schemas.microsoft.com/office/drawing/2014/main" id="{B3D4E7D2-54A9-E355-A3B6-7D8EB75AD520}"/>
-              </a:ext>
-            </a:extLst>
-          </p:cNvPr>
-          <p:cNvSpPr txBox="1"/>
-          <p:nvPr/>
-        </p:nvSpPr>
-        <p:spPr>
-          <a:xfrm>
-            <a:off x="726124" y="1229940"/>
-            <a:ext cx="1715534" cy="353943"/>
-          </a:xfrm>
-          <a:prstGeom prst="rect">
-            <a:avLst/>
-          </a:prstGeom>
-          <a:noFill/>
-        </p:spPr>
-        <p:txBody>
-          <a:bodyPr wrap="none" rtlCol="0">
-            <a:spAutoFit/>
-          </a:bodyPr>
-          <a:lstStyle/>
-          <a:p>
-            <a:r>
-              <a:rPr lang="en-US" dirty="0">
-                <a:solidFill>
-                  <a:schemeClr val="tx2"/>
-                </a:solidFill>
-              </a:rPr>
-              <a:t>rule </a:t>
-            </a:r>
-            <a:r>
-              <a:rPr lang="en-US" dirty="0" err="1">
-                <a:solidFill>
-                  <a:schemeClr val="tx2"/>
-                </a:solidFill>
-              </a:rPr>
-              <a:t>count_lines</a:t>
-            </a:r>
-            <a:endParaRPr lang="en-US" dirty="0">
-              <a:solidFill>
-                <a:schemeClr val="tx2"/>
-              </a:solidFill>
-            </a:endParaRPr>
-          </a:p>
-        </p:txBody>
-      </p:sp>
-      <p:sp>
-        <p:nvSpPr>
-          <p:cNvPr id="16" name="TextBox 15">
-            <a:extLst>
-              <a:ext uri="{FF2B5EF4-FFF2-40B4-BE49-F238E27FC236}">
-                <a16:creationId xmlns:a16="http://schemas.microsoft.com/office/drawing/2014/main" id="{8584179B-FC3A-DAE1-835C-2EF9F642381B}"/>
-              </a:ext>
-            </a:extLst>
-          </p:cNvPr>
-          <p:cNvSpPr txBox="1"/>
-          <p:nvPr/>
-        </p:nvSpPr>
-        <p:spPr>
-          <a:xfrm>
-            <a:off x="617448" y="132087"/>
-            <a:ext cx="1758687" cy="353943"/>
-          </a:xfrm>
-          <a:prstGeom prst="rect">
-            <a:avLst/>
-          </a:prstGeom>
-          <a:noFill/>
-        </p:spPr>
-        <p:txBody>
-          <a:bodyPr wrap="none" rtlCol="0">
-            <a:spAutoFit/>
-          </a:bodyPr>
-          <a:lstStyle/>
-          <a:p>
-            <a:r>
-              <a:rPr lang="en-US" dirty="0"/>
-              <a:t>1-Karamazov.txt</a:t>
-            </a:r>
-          </a:p>
-        </p:txBody>
-      </p:sp>
-      <p:sp>
-        <p:nvSpPr>
-          <p:cNvPr id="17" name="TextBox 16">
-            <a:extLst>
-              <a:ext uri="{FF2B5EF4-FFF2-40B4-BE49-F238E27FC236}">
-                <a16:creationId xmlns:a16="http://schemas.microsoft.com/office/drawing/2014/main" id="{305F3693-B145-8348-1D77-D3D979A3D4B8}"/>
-              </a:ext>
-            </a:extLst>
-          </p:cNvPr>
-          <p:cNvSpPr txBox="1"/>
-          <p:nvPr/>
-        </p:nvSpPr>
-        <p:spPr>
-          <a:xfrm>
-            <a:off x="3188819" y="123478"/>
-            <a:ext cx="1021433" cy="353943"/>
-          </a:xfrm>
-          <a:prstGeom prst="rect">
-            <a:avLst/>
-          </a:prstGeom>
-          <a:noFill/>
-        </p:spPr>
-        <p:txBody>
-          <a:bodyPr wrap="none" rtlCol="0">
-            <a:spAutoFit/>
-          </a:bodyPr>
-          <a:lstStyle/>
-          <a:p>
-            <a:r>
-              <a:rPr lang="en-US" dirty="0"/>
-              <a:t>2-trial.txt</a:t>
-            </a:r>
-          </a:p>
-        </p:txBody>
-      </p:sp>
-      <p:sp>
-        <p:nvSpPr>
-          <p:cNvPr id="18" name="TextBox 17">
-            <a:extLst>
-              <a:ext uri="{FF2B5EF4-FFF2-40B4-BE49-F238E27FC236}">
-                <a16:creationId xmlns:a16="http://schemas.microsoft.com/office/drawing/2014/main" id="{669A0AF6-632D-67D4-BF52-C06878101BA9}"/>
-              </a:ext>
-            </a:extLst>
-          </p:cNvPr>
-          <p:cNvSpPr txBox="1"/>
-          <p:nvPr/>
-        </p:nvSpPr>
-        <p:spPr>
-          <a:xfrm>
-            <a:off x="5118076" y="123478"/>
-            <a:ext cx="1398140" cy="353943"/>
-          </a:xfrm>
-          <a:prstGeom prst="rect">
-            <a:avLst/>
-          </a:prstGeom>
-          <a:noFill/>
-        </p:spPr>
-        <p:txBody>
-          <a:bodyPr wrap="none" rtlCol="0">
-            <a:spAutoFit/>
-          </a:bodyPr>
-          <a:lstStyle/>
-          <a:p>
-            <a:r>
-              <a:rPr lang="en-US" dirty="0"/>
-              <a:t>3-ulysses.txt</a:t>
-            </a:r>
-          </a:p>
-        </p:txBody>
-      </p:sp>
-      <p:cxnSp>
-        <p:nvCxnSpPr>
-          <p:cNvPr id="19" name="Straight Arrow Connector 18">
-            <a:extLst>
-              <a:ext uri="{FF2B5EF4-FFF2-40B4-BE49-F238E27FC236}">
-                <a16:creationId xmlns:a16="http://schemas.microsoft.com/office/drawing/2014/main" id="{39ECDCF4-17DD-FEAC-57BB-F035500A4E63}"/>
-              </a:ext>
-            </a:extLst>
-          </p:cNvPr>
-          <p:cNvCxnSpPr>
-            <a:stCxn id="16" idx="2"/>
-            <a:endCxn id="15" idx="0"/>
-          </p:cNvCxnSpPr>
-          <p:nvPr/>
-        </p:nvCxnSpPr>
-        <p:spPr bwMode="auto">
-          <a:xfrm>
-            <a:off x="1496792" y="486030"/>
-            <a:ext cx="87099" cy="743910"/>
-          </a:xfrm>
-          <a:prstGeom prst="straightConnector1">
-            <a:avLst/>
-          </a:prstGeom>
-          <a:solidFill>
-            <a:schemeClr val="accent1"/>
-          </a:solidFill>
-          <a:ln w="9525" cap="flat" cmpd="sng" algn="ctr">
-            <a:solidFill>
-              <a:schemeClr val="tx1"/>
-            </a:solidFill>
-            <a:prstDash val="solid"/>
-            <a:round/>
-            <a:headEnd type="none" w="med" len="med"/>
-            <a:tailEnd type="triangle"/>
-          </a:ln>
-          <a:effectLst/>
-          <a:extLst>
-            <a:ext uri="{AF507438-7753-43E0-B8FC-AC1667EBCBE1}">
-              <a14:hiddenEffects xmlns:a14="http://schemas.microsoft.com/office/drawing/2010/main">
-                <a:effectLst>
-                  <a:outerShdw dist="35921" dir="2700000" algn="ctr" rotWithShape="0">
-                    <a:schemeClr val="bg2"/>
-                  </a:outerShdw>
-                </a:effectLst>
-              </a14:hiddenEffects>
-            </a:ext>
-          </a:extLst>
-        </p:spPr>
-      </p:cxnSp>
-      <p:cxnSp>
-        <p:nvCxnSpPr>
-          <p:cNvPr id="20" name="Straight Arrow Connector 19">
-            <a:extLst>
-              <a:ext uri="{FF2B5EF4-FFF2-40B4-BE49-F238E27FC236}">
-                <a16:creationId xmlns:a16="http://schemas.microsoft.com/office/drawing/2014/main" id="{CA2A51C2-98E1-CFB5-4AFB-7C023CE57DA7}"/>
-              </a:ext>
-            </a:extLst>
-          </p:cNvPr>
-          <p:cNvCxnSpPr/>
-          <p:nvPr/>
-        </p:nvCxnSpPr>
-        <p:spPr bwMode="auto">
-          <a:xfrm>
-            <a:off x="3656407" y="483518"/>
-            <a:ext cx="0" cy="534500"/>
-          </a:xfrm>
-          <a:prstGeom prst="straightConnector1">
-            <a:avLst/>
-          </a:prstGeom>
-          <a:solidFill>
-            <a:schemeClr val="accent1"/>
-          </a:solidFill>
-          <a:ln w="9525" cap="flat" cmpd="sng" algn="ctr">
-            <a:solidFill>
-              <a:schemeClr val="tx1"/>
-            </a:solidFill>
-            <a:prstDash val="solid"/>
-            <a:round/>
-            <a:headEnd type="none" w="med" len="med"/>
-            <a:tailEnd type="triangle"/>
-          </a:ln>
-          <a:effectLst/>
-          <a:extLst>
-            <a:ext uri="{AF507438-7753-43E0-B8FC-AC1667EBCBE1}">
-              <a14:hiddenEffects xmlns:a14="http://schemas.microsoft.com/office/drawing/2010/main">
-                <a:effectLst>
-                  <a:outerShdw dist="35921" dir="2700000" algn="ctr" rotWithShape="0">
-                    <a:schemeClr val="bg2"/>
-                  </a:outerShdw>
-                </a:effectLst>
-              </a14:hiddenEffects>
-            </a:ext>
-          </a:extLst>
-        </p:spPr>
-      </p:cxnSp>
-      <p:cxnSp>
-        <p:nvCxnSpPr>
-          <p:cNvPr id="21" name="Straight Arrow Connector 20">
-            <a:extLst>
-              <a:ext uri="{FF2B5EF4-FFF2-40B4-BE49-F238E27FC236}">
-                <a16:creationId xmlns:a16="http://schemas.microsoft.com/office/drawing/2014/main" id="{29939FBA-FCA5-9D75-06C0-D250D9C76A20}"/>
-              </a:ext>
-            </a:extLst>
-          </p:cNvPr>
-          <p:cNvCxnSpPr>
-            <a:stCxn id="18" idx="2"/>
-          </p:cNvCxnSpPr>
-          <p:nvPr/>
-        </p:nvCxnSpPr>
-        <p:spPr bwMode="auto">
-          <a:xfrm>
-            <a:off x="5817146" y="477421"/>
-            <a:ext cx="0" cy="540597"/>
-          </a:xfrm>
-          <a:prstGeom prst="straightConnector1">
-            <a:avLst/>
-          </a:prstGeom>
-          <a:solidFill>
-            <a:schemeClr val="accent1"/>
-          </a:solidFill>
-          <a:ln w="9525" cap="flat" cmpd="sng" algn="ctr">
-            <a:solidFill>
-              <a:schemeClr val="tx1"/>
-            </a:solidFill>
-            <a:prstDash val="solid"/>
-            <a:round/>
-            <a:headEnd type="none" w="med" len="med"/>
-            <a:tailEnd type="triangle"/>
-          </a:ln>
-          <a:effectLst/>
-          <a:extLst>
-            <a:ext uri="{AF507438-7753-43E0-B8FC-AC1667EBCBE1}">
-              <a14:hiddenEffects xmlns:a14="http://schemas.microsoft.com/office/drawing/2010/main">
-                <a:effectLst>
-                  <a:outerShdw dist="35921" dir="2700000" algn="ctr" rotWithShape="0">
-                    <a:schemeClr val="bg2"/>
-                  </a:outerShdw>
-                </a:effectLst>
-              </a14:hiddenEffects>
-            </a:ext>
-          </a:extLst>
-        </p:spPr>
-      </p:cxnSp>
-      <p:sp>
-        <p:nvSpPr>
-          <p:cNvPr id="31" name="TextBox 30">
-            <a:extLst>
-              <a:ext uri="{FF2B5EF4-FFF2-40B4-BE49-F238E27FC236}">
-                <a16:creationId xmlns:a16="http://schemas.microsoft.com/office/drawing/2014/main" id="{C0798225-49B3-D1E3-04D4-6879495581DB}"/>
-              </a:ext>
-            </a:extLst>
-          </p:cNvPr>
-          <p:cNvSpPr txBox="1"/>
-          <p:nvPr/>
-        </p:nvSpPr>
-        <p:spPr>
-          <a:xfrm>
-            <a:off x="2910161" y="1229939"/>
-            <a:ext cx="1715534" cy="353943"/>
-          </a:xfrm>
-          <a:prstGeom prst="rect">
-            <a:avLst/>
-          </a:prstGeom>
-          <a:noFill/>
-        </p:spPr>
-        <p:txBody>
-          <a:bodyPr wrap="none" rtlCol="0">
-            <a:spAutoFit/>
-          </a:bodyPr>
-          <a:lstStyle/>
-          <a:p>
-            <a:r>
-              <a:rPr lang="en-US" dirty="0">
-                <a:solidFill>
-                  <a:schemeClr val="tx2"/>
-                </a:solidFill>
-              </a:rPr>
-              <a:t>rule </a:t>
-            </a:r>
-            <a:r>
-              <a:rPr lang="en-US" dirty="0" err="1">
-                <a:solidFill>
-                  <a:schemeClr val="tx2"/>
-                </a:solidFill>
-              </a:rPr>
-              <a:t>count_lines</a:t>
-            </a:r>
-            <a:endParaRPr lang="en-US" dirty="0">
-              <a:solidFill>
-                <a:schemeClr val="tx2"/>
-              </a:solidFill>
-            </a:endParaRPr>
-          </a:p>
-        </p:txBody>
-      </p:sp>
-      <p:sp>
-        <p:nvSpPr>
-          <p:cNvPr id="32" name="TextBox 31">
-            <a:extLst>
-              <a:ext uri="{FF2B5EF4-FFF2-40B4-BE49-F238E27FC236}">
-                <a16:creationId xmlns:a16="http://schemas.microsoft.com/office/drawing/2014/main" id="{CE920D3F-83F0-D4CC-B759-74F30560AD03}"/>
-              </a:ext>
-            </a:extLst>
-          </p:cNvPr>
-          <p:cNvSpPr txBox="1"/>
-          <p:nvPr/>
-        </p:nvSpPr>
-        <p:spPr>
-          <a:xfrm>
-            <a:off x="4959379" y="1229938"/>
-            <a:ext cx="1715534" cy="353943"/>
-          </a:xfrm>
-          <a:prstGeom prst="rect">
-            <a:avLst/>
-          </a:prstGeom>
-          <a:noFill/>
-        </p:spPr>
-        <p:txBody>
-          <a:bodyPr wrap="none" rtlCol="0">
-            <a:spAutoFit/>
-          </a:bodyPr>
-          <a:lstStyle/>
-          <a:p>
-            <a:r>
-              <a:rPr lang="en-US" dirty="0">
-                <a:solidFill>
-                  <a:schemeClr val="tx2"/>
-                </a:solidFill>
-              </a:rPr>
-              <a:t>rule </a:t>
-            </a:r>
-            <a:r>
-              <a:rPr lang="en-US" dirty="0" err="1">
-                <a:solidFill>
-                  <a:schemeClr val="tx2"/>
-                </a:solidFill>
-              </a:rPr>
-              <a:t>count_lines</a:t>
-            </a:r>
-            <a:endParaRPr lang="en-US" dirty="0">
-              <a:solidFill>
-                <a:schemeClr val="tx2"/>
-              </a:solidFill>
-            </a:endParaRPr>
-          </a:p>
-        </p:txBody>
-      </p:sp>
-      <p:cxnSp>
-        <p:nvCxnSpPr>
-          <p:cNvPr id="35" name="Straight Arrow Connector 34">
-            <a:extLst>
-              <a:ext uri="{FF2B5EF4-FFF2-40B4-BE49-F238E27FC236}">
-                <a16:creationId xmlns:a16="http://schemas.microsoft.com/office/drawing/2014/main" id="{1B39A92A-3B4B-906F-EB83-84F7C7E6BF4B}"/>
-              </a:ext>
-            </a:extLst>
-          </p:cNvPr>
-          <p:cNvCxnSpPr>
-            <a:cxnSpLocks/>
-            <a:endCxn id="12" idx="0"/>
-          </p:cNvCxnSpPr>
-          <p:nvPr/>
-        </p:nvCxnSpPr>
-        <p:spPr bwMode="auto">
-          <a:xfrm flipH="1">
-            <a:off x="1306036" y="1701041"/>
-            <a:ext cx="267449" cy="774354"/>
-          </a:xfrm>
-          <a:prstGeom prst="straightConnector1">
-            <a:avLst/>
-          </a:prstGeom>
-          <a:solidFill>
-            <a:schemeClr val="accent1"/>
-          </a:solidFill>
-          <a:ln w="9525" cap="flat" cmpd="sng" algn="ctr">
-            <a:solidFill>
-              <a:schemeClr val="tx1"/>
-            </a:solidFill>
-            <a:prstDash val="solid"/>
-            <a:round/>
-            <a:headEnd type="none" w="med" len="med"/>
-            <a:tailEnd type="triangle"/>
-          </a:ln>
-          <a:effectLst/>
-          <a:extLst>
-            <a:ext uri="{AF507438-7753-43E0-B8FC-AC1667EBCBE1}">
-              <a14:hiddenEffects xmlns:a14="http://schemas.microsoft.com/office/drawing/2010/main">
-                <a:effectLst>
-                  <a:outerShdw dist="35921" dir="2700000" algn="ctr" rotWithShape="0">
-                    <a:schemeClr val="bg2"/>
-                  </a:outerShdw>
-                </a:effectLst>
-              </a14:hiddenEffects>
-            </a:ext>
-          </a:extLst>
-        </p:spPr>
-      </p:cxnSp>
-      <p:cxnSp>
-        <p:nvCxnSpPr>
-          <p:cNvPr id="37" name="Straight Arrow Connector 36">
-            <a:extLst>
-              <a:ext uri="{FF2B5EF4-FFF2-40B4-BE49-F238E27FC236}">
-                <a16:creationId xmlns:a16="http://schemas.microsoft.com/office/drawing/2014/main" id="{B5618490-D6ED-9B04-F150-166E78E05310}"/>
-              </a:ext>
-            </a:extLst>
-          </p:cNvPr>
-          <p:cNvCxnSpPr/>
-          <p:nvPr/>
-        </p:nvCxnSpPr>
-        <p:spPr bwMode="auto">
-          <a:xfrm>
-            <a:off x="3707904" y="1821226"/>
-            <a:ext cx="0" cy="534500"/>
-          </a:xfrm>
-          <a:prstGeom prst="straightConnector1">
-            <a:avLst/>
-          </a:prstGeom>
-          <a:solidFill>
-            <a:schemeClr val="accent1"/>
-          </a:solidFill>
-          <a:ln w="9525" cap="flat" cmpd="sng" algn="ctr">
-            <a:solidFill>
-              <a:schemeClr val="tx1"/>
-            </a:solidFill>
-            <a:prstDash val="solid"/>
-            <a:round/>
-            <a:headEnd type="none" w="med" len="med"/>
-            <a:tailEnd type="triangle"/>
-          </a:ln>
-          <a:effectLst/>
-          <a:extLst>
-            <a:ext uri="{AF507438-7753-43E0-B8FC-AC1667EBCBE1}">
-              <a14:hiddenEffects xmlns:a14="http://schemas.microsoft.com/office/drawing/2010/main">
-                <a:effectLst>
-                  <a:outerShdw dist="35921" dir="2700000" algn="ctr" rotWithShape="0">
-                    <a:schemeClr val="bg2"/>
-                  </a:outerShdw>
-                </a:effectLst>
-              </a14:hiddenEffects>
-            </a:ext>
-          </a:extLst>
-        </p:spPr>
-      </p:cxnSp>
-      <p:cxnSp>
-        <p:nvCxnSpPr>
-          <p:cNvPr id="38" name="Straight Arrow Connector 37">
-            <a:extLst>
-              <a:ext uri="{FF2B5EF4-FFF2-40B4-BE49-F238E27FC236}">
-                <a16:creationId xmlns:a16="http://schemas.microsoft.com/office/drawing/2014/main" id="{644A2816-F97A-E8D6-82C7-E4FF73842C07}"/>
-              </a:ext>
-            </a:extLst>
-          </p:cNvPr>
-          <p:cNvCxnSpPr/>
-          <p:nvPr/>
-        </p:nvCxnSpPr>
-        <p:spPr bwMode="auto">
-          <a:xfrm>
-            <a:off x="5796136" y="1815129"/>
-            <a:ext cx="0" cy="540597"/>
-          </a:xfrm>
-          <a:prstGeom prst="straightConnector1">
-            <a:avLst/>
-          </a:prstGeom>
-          <a:solidFill>
-            <a:schemeClr val="accent1"/>
-          </a:solidFill>
-          <a:ln w="9525" cap="flat" cmpd="sng" algn="ctr">
-            <a:solidFill>
-              <a:schemeClr val="tx1"/>
-            </a:solidFill>
-            <a:prstDash val="solid"/>
-            <a:round/>
-            <a:headEnd type="none" w="med" len="med"/>
-            <a:tailEnd type="triangle"/>
-          </a:ln>
-          <a:effectLst/>
-          <a:extLst>
-            <a:ext uri="{AF507438-7753-43E0-B8FC-AC1667EBCBE1}">
-              <a14:hiddenEffects xmlns:a14="http://schemas.microsoft.com/office/drawing/2010/main">
-                <a:effectLst>
-                  <a:outerShdw dist="35921" dir="2700000" algn="ctr" rotWithShape="0">
-                    <a:schemeClr val="bg2"/>
-                  </a:outerShdw>
-                </a:effectLst>
-              </a14:hiddenEffects>
-            </a:ext>
-          </a:extLst>
-        </p:spPr>
-      </p:cxnSp>
-      <p:sp>
-        <p:nvSpPr>
-          <p:cNvPr id="2" name="TextBox 1">
-            <a:extLst>
-              <a:ext uri="{FF2B5EF4-FFF2-40B4-BE49-F238E27FC236}">
-                <a16:creationId xmlns:a16="http://schemas.microsoft.com/office/drawing/2014/main" id="{9F983651-1EE3-9932-1D2A-41D67026039E}"/>
-              </a:ext>
-            </a:extLst>
-          </p:cNvPr>
-          <p:cNvSpPr txBox="1"/>
-          <p:nvPr/>
-        </p:nvSpPr>
-        <p:spPr>
-          <a:xfrm>
-            <a:off x="2523124" y="3390309"/>
-            <a:ext cx="2369559" cy="353943"/>
-          </a:xfrm>
-          <a:prstGeom prst="rect">
-            <a:avLst/>
-          </a:prstGeom>
-          <a:noFill/>
-        </p:spPr>
-        <p:txBody>
-          <a:bodyPr wrap="none" rtlCol="0">
-            <a:spAutoFit/>
-          </a:bodyPr>
-          <a:lstStyle/>
-          <a:p>
-            <a:r>
-              <a:rPr lang="en-US" dirty="0" err="1">
-                <a:solidFill>
-                  <a:schemeClr val="tx2"/>
-                </a:solidFill>
-              </a:rPr>
-              <a:t>summarize_line_count</a:t>
-            </a:r>
-            <a:endParaRPr lang="en-US" dirty="0">
-              <a:solidFill>
-                <a:schemeClr val="tx2"/>
-              </a:solidFill>
-            </a:endParaRPr>
-          </a:p>
-        </p:txBody>
-      </p:sp>
-      <p:cxnSp>
-        <p:nvCxnSpPr>
-          <p:cNvPr id="3" name="Straight Arrow Connector 2">
-            <a:extLst>
-              <a:ext uri="{FF2B5EF4-FFF2-40B4-BE49-F238E27FC236}">
-                <a16:creationId xmlns:a16="http://schemas.microsoft.com/office/drawing/2014/main" id="{AD0D2D03-7B95-1E99-CAFF-6D255DC5D1FE}"/>
-              </a:ext>
-            </a:extLst>
-          </p:cNvPr>
-          <p:cNvCxnSpPr/>
-          <p:nvPr/>
-        </p:nvCxnSpPr>
-        <p:spPr bwMode="auto">
-          <a:xfrm>
-            <a:off x="3656407" y="3744252"/>
-            <a:ext cx="0" cy="534500"/>
-          </a:xfrm>
-          <a:prstGeom prst="straightConnector1">
-            <a:avLst/>
-          </a:prstGeom>
-          <a:solidFill>
-            <a:schemeClr val="accent1"/>
-          </a:solidFill>
-          <a:ln w="9525" cap="flat" cmpd="sng" algn="ctr">
-            <a:solidFill>
-              <a:schemeClr val="tx1"/>
-            </a:solidFill>
-            <a:prstDash val="solid"/>
-            <a:round/>
-            <a:headEnd type="none" w="med" len="med"/>
-            <a:tailEnd type="triangle"/>
-          </a:ln>
-          <a:effectLst/>
-          <a:extLst>
-            <a:ext uri="{AF507438-7753-43E0-B8FC-AC1667EBCBE1}">
-              <a14:hiddenEffects xmlns:a14="http://schemas.microsoft.com/office/drawing/2010/main">
-                <a:effectLst>
-                  <a:outerShdw dist="35921" dir="2700000" algn="ctr" rotWithShape="0">
-                    <a:schemeClr val="bg2"/>
-                  </a:outerShdw>
-                </a:effectLst>
-              </a14:hiddenEffects>
-            </a:ext>
-          </a:extLst>
-        </p:spPr>
-      </p:cxnSp>
-      <p:sp>
-        <p:nvSpPr>
-          <p:cNvPr id="5" name="TextBox 4">
-            <a:extLst>
-              <a:ext uri="{FF2B5EF4-FFF2-40B4-BE49-F238E27FC236}">
-                <a16:creationId xmlns:a16="http://schemas.microsoft.com/office/drawing/2014/main" id="{CCE7BF04-CFAC-AD40-BCAA-08D1439502B9}"/>
-              </a:ext>
-            </a:extLst>
-          </p:cNvPr>
-          <p:cNvSpPr txBox="1"/>
-          <p:nvPr/>
-        </p:nvSpPr>
-        <p:spPr>
-          <a:xfrm>
-            <a:off x="2759267" y="4227934"/>
-            <a:ext cx="2238113" cy="353943"/>
-          </a:xfrm>
-          <a:prstGeom prst="rect">
-            <a:avLst/>
-          </a:prstGeom>
-          <a:noFill/>
-        </p:spPr>
-        <p:txBody>
-          <a:bodyPr wrap="none" rtlCol="0">
-            <a:spAutoFit/>
-          </a:bodyPr>
-          <a:lstStyle/>
-          <a:p>
-            <a:r>
-              <a:rPr lang="en-US" dirty="0" err="1"/>
-              <a:t>overall_line_count.txt</a:t>
-            </a:r>
-            <a:endParaRPr lang="en-US" dirty="0"/>
-          </a:p>
-        </p:txBody>
-      </p:sp>
-      <p:cxnSp>
-        <p:nvCxnSpPr>
-          <p:cNvPr id="8" name="Straight Arrow Connector 7">
-            <a:extLst>
-              <a:ext uri="{FF2B5EF4-FFF2-40B4-BE49-F238E27FC236}">
-                <a16:creationId xmlns:a16="http://schemas.microsoft.com/office/drawing/2014/main" id="{68BA0230-84EE-FED1-E8EC-76C29FEDB4CA}"/>
-              </a:ext>
-            </a:extLst>
-          </p:cNvPr>
-          <p:cNvCxnSpPr>
-            <a:stCxn id="5" idx="3"/>
-            <a:endCxn id="4" idx="1"/>
-          </p:cNvCxnSpPr>
-          <p:nvPr/>
-        </p:nvCxnSpPr>
-        <p:spPr bwMode="auto">
-          <a:xfrm>
-            <a:off x="4997380" y="4404906"/>
-            <a:ext cx="1713808" cy="0"/>
-          </a:xfrm>
-          <a:prstGeom prst="straightConnector1">
-            <a:avLst/>
-          </a:prstGeom>
-          <a:solidFill>
-            <a:schemeClr val="accent1"/>
-          </a:solidFill>
-          <a:ln w="9525" cap="flat" cmpd="sng" algn="ctr">
-            <a:solidFill>
-              <a:schemeClr val="tx1"/>
-            </a:solidFill>
-            <a:prstDash val="solid"/>
-            <a:round/>
-            <a:headEnd type="none" w="med" len="med"/>
-            <a:tailEnd type="triangle"/>
-          </a:ln>
-          <a:effectLst/>
-          <a:extLst>
-            <a:ext uri="{AF507438-7753-43E0-B8FC-AC1667EBCBE1}">
-              <a14:hiddenEffects xmlns:a14="http://schemas.microsoft.com/office/drawing/2010/main">
-                <a:effectLst>
-                  <a:outerShdw dist="35921" dir="2700000" algn="ctr" rotWithShape="0">
-                    <a:schemeClr val="bg2"/>
-                  </a:outerShdw>
-                </a:effectLst>
-              </a14:hiddenEffects>
-            </a:ext>
-          </a:extLst>
-        </p:spPr>
-      </p:cxnSp>
+              <a:rPr lang="en-US" sz="1800" dirty="0"/>
+              <a:t>Modify the </a:t>
+            </a:r>
+            <a:r>
+              <a:rPr lang="en-US" sz="1800" i="1" dirty="0"/>
+              <a:t>Snakefile_start2.smk </a:t>
+            </a:r>
+            <a:r>
+              <a:rPr lang="en-US" sz="1800" dirty="0"/>
+              <a:t>to count the lines in file 2-trial.txt. Write the output into the file </a:t>
+            </a:r>
+            <a:r>
+              <a:rPr lang="en-US" sz="1800" dirty="0" err="1"/>
+              <a:t>my_count.txt</a:t>
+            </a:r>
+            <a:endParaRPr lang="en-US" sz="1800" dirty="0"/>
+          </a:p>
+          <a:p>
+            <a:r>
+              <a:rPr lang="en-US" sz="1800" dirty="0"/>
+              <a:t>Modify the </a:t>
+            </a:r>
+            <a:r>
+              <a:rPr lang="en-US" sz="1800" i="1" dirty="0"/>
+              <a:t>Snakefile_start_parallel2.smk </a:t>
+            </a:r>
+            <a:r>
+              <a:rPr lang="en-US" sz="1800" dirty="0"/>
+              <a:t>such that the output files have the suffix _</a:t>
+            </a:r>
+            <a:r>
+              <a:rPr lang="en-US" sz="1800" dirty="0" err="1"/>
+              <a:t>line_counts</a:t>
+            </a:r>
+            <a:r>
+              <a:rPr lang="en-US" sz="1800" dirty="0"/>
+              <a:t> instead of _counts. So </a:t>
+            </a:r>
+            <a:r>
+              <a:rPr lang="en-US" sz="1800" dirty="0" err="1"/>
+              <a:t>e.g</a:t>
+            </a:r>
+            <a:r>
+              <a:rPr lang="en-US" sz="1800" dirty="0"/>
+              <a:t> for the first file, instead of 1-karamazov_counts.txt the output file should be named 1-karamazov_line_counts.txt </a:t>
+            </a:r>
+          </a:p>
+          <a:p>
+            <a:r>
+              <a:rPr lang="en-US" sz="1800" dirty="0"/>
+              <a:t>Modify the </a:t>
+            </a:r>
+            <a:r>
+              <a:rPr lang="en-US" sz="1800" i="1" dirty="0" err="1"/>
+              <a:t>Snakefile_cmd.smk</a:t>
+            </a:r>
+            <a:r>
+              <a:rPr lang="en-US" sz="1800" i="1" dirty="0"/>
+              <a:t> </a:t>
+            </a:r>
+            <a:r>
+              <a:rPr lang="en-US" sz="1800" dirty="0"/>
+              <a:t>such that the output files have the suffix _</a:t>
+            </a:r>
+            <a:r>
+              <a:rPr lang="en-US" sz="1800" dirty="0" err="1"/>
+              <a:t>line_counts</a:t>
+            </a:r>
+            <a:r>
+              <a:rPr lang="en-US" sz="1800" dirty="0"/>
+              <a:t> instead of _counts. So </a:t>
+            </a:r>
+            <a:r>
+              <a:rPr lang="en-US" sz="1800" dirty="0" err="1"/>
+              <a:t>e.g</a:t>
+            </a:r>
+            <a:r>
+              <a:rPr lang="en-US" sz="1800" dirty="0"/>
+              <a:t> for the first file, instead of </a:t>
+            </a:r>
+            <a:br>
+              <a:rPr lang="en-US" sz="1800" dirty="0"/>
+            </a:br>
+            <a:r>
+              <a:rPr lang="en-US" sz="1800" dirty="0"/>
+              <a:t>1-karamazov_counts.txt the output file should be named </a:t>
+            </a:r>
+            <a:br>
+              <a:rPr lang="en-US" sz="1800" dirty="0"/>
+            </a:br>
+            <a:r>
+              <a:rPr lang="en-US" sz="1800" dirty="0"/>
+              <a:t>1-karamazov_line_counts.txt </a:t>
+            </a:r>
+          </a:p>
+          <a:p>
+            <a:r>
+              <a:rPr lang="en-US" sz="1800" dirty="0"/>
+              <a:t>Modify the </a:t>
+            </a:r>
+            <a:r>
+              <a:rPr lang="en-US" sz="1800" i="1" dirty="0"/>
+              <a:t>Snakefile_start_parallel2.smk </a:t>
+            </a:r>
+            <a:r>
+              <a:rPr lang="en-US" sz="1800" dirty="0"/>
+              <a:t>such that a copy of each </a:t>
+            </a:r>
+            <a:r>
+              <a:rPr lang="en-US" sz="1800" i="1" dirty="0"/>
+              <a:t>.txt </a:t>
+            </a:r>
+            <a:r>
+              <a:rPr lang="en-US" sz="1800" dirty="0"/>
+              <a:t>file in the data directory is made. The copy shall be placed in a directory named </a:t>
+            </a:r>
+            <a:r>
+              <a:rPr lang="en-US" sz="1800" i="1" dirty="0" err="1"/>
+              <a:t>copy_data</a:t>
+            </a:r>
+            <a:endParaRPr lang="en-US" sz="1800" i="1" dirty="0"/>
+          </a:p>
+          <a:p>
+            <a:endParaRPr lang="en-US" sz="1800" dirty="0"/>
+          </a:p>
+        </p:txBody>
+      </p:sp>
     </p:spTree>
     <p:extLst>
       <p:ext uri="{BB962C8B-B14F-4D97-AF65-F5344CB8AC3E}">
-        <p14:creationId xmlns:p14="http://schemas.microsoft.com/office/powerpoint/2010/main" val="512419402"/>
+        <p14:creationId xmlns:p14="http://schemas.microsoft.com/office/powerpoint/2010/main" val="810136969"/>
       </p:ext>
     </p:extLst>
   </p:cSld>
@@ -8885,7 +7995,7 @@
           <p:cNvPr id="2" name="Title 1">
             <a:extLst>
               <a:ext uri="{FF2B5EF4-FFF2-40B4-BE49-F238E27FC236}">
-                <a16:creationId xmlns:a16="http://schemas.microsoft.com/office/drawing/2014/main" id="{8C11894E-D0C7-F007-5FFA-EBA854E29F19}"/>
+                <a16:creationId xmlns:a16="http://schemas.microsoft.com/office/drawing/2014/main" id="{9AEAFC1D-CA55-71A3-3309-69AFE828546A}"/>
               </a:ext>
             </a:extLst>
           </p:cNvPr>
@@ -8901,7 +8011,10 @@
           <a:bodyPr/>
           <a:lstStyle/>
           <a:p>
-            <a:endParaRPr lang="en-US"/>
+            <a:r>
+              <a:rPr lang="en-US" dirty="0"/>
+              <a:t>Topics to cover</a:t>
+            </a:r>
           </a:p>
         </p:txBody>
       </p:sp>
@@ -8910,7 +8023,7 @@
           <p:cNvPr id="3" name="Content Placeholder 2">
             <a:extLst>
               <a:ext uri="{FF2B5EF4-FFF2-40B4-BE49-F238E27FC236}">
-                <a16:creationId xmlns:a16="http://schemas.microsoft.com/office/drawing/2014/main" id="{F9BE2D9E-CBA0-D67A-9C0E-F822BB7A5155}"/>
+                <a16:creationId xmlns:a16="http://schemas.microsoft.com/office/drawing/2014/main" id="{D65C8143-75CE-2EAB-A900-FB69EB01839F}"/>
               </a:ext>
             </a:extLst>
           </p:cNvPr>
@@ -8926,44 +8039,76 @@
           <a:bodyPr/>
           <a:lstStyle/>
           <a:p>
-            <a:endParaRPr lang="en-US"/>
-          </a:p>
-        </p:txBody>
-      </p:sp>
-      <p:pic>
-        <p:nvPicPr>
-          <p:cNvPr id="4" name="Picture 3">
-            <a:extLst>
-              <a:ext uri="{FF2B5EF4-FFF2-40B4-BE49-F238E27FC236}">
-                <a16:creationId xmlns:a16="http://schemas.microsoft.com/office/drawing/2014/main" id="{26EBA087-7488-AD62-4571-616B9AEC6501}"/>
-              </a:ext>
-            </a:extLst>
-          </p:cNvPr>
-          <p:cNvPicPr>
-            <a:picLocks noChangeAspect="1"/>
-          </p:cNvPicPr>
-          <p:nvPr/>
-        </p:nvPicPr>
-        <p:blipFill>
-          <a:blip r:embed="rId2"/>
-          <a:stretch>
-            <a:fillRect/>
-          </a:stretch>
-        </p:blipFill>
-        <p:spPr>
-          <a:xfrm>
-            <a:off x="1240415" y="0"/>
-            <a:ext cx="6663170" cy="5143500"/>
-          </a:xfrm>
-          <a:prstGeom prst="rect">
-            <a:avLst/>
-          </a:prstGeom>
-        </p:spPr>
-      </p:pic>
+            <a:r>
+              <a:rPr lang="en-US" dirty="0"/>
+              <a:t>A bit of python code</a:t>
+            </a:r>
+          </a:p>
+          <a:p>
+            <a:r>
+              <a:rPr lang="en-US" dirty="0" err="1"/>
+              <a:t>Snakemake</a:t>
+            </a:r>
+            <a:r>
+              <a:rPr lang="en-US" dirty="0"/>
+              <a:t> exercise</a:t>
+            </a:r>
+          </a:p>
+          <a:p>
+            <a:r>
+              <a:rPr lang="en-US" dirty="0"/>
+              <a:t>Going through the NGS pipeline</a:t>
+            </a:r>
+          </a:p>
+          <a:p>
+            <a:pPr lvl="1"/>
+            <a:r>
+              <a:rPr lang="en-US" dirty="0" err="1"/>
+              <a:t>Snakefile</a:t>
+            </a:r>
+            <a:r>
+              <a:rPr lang="en-US" dirty="0"/>
+              <a:t> logic</a:t>
+            </a:r>
+          </a:p>
+          <a:p>
+            <a:pPr lvl="1"/>
+            <a:r>
+              <a:rPr lang="en-US" dirty="0"/>
+              <a:t>programs used</a:t>
+            </a:r>
+          </a:p>
+          <a:p>
+            <a:pPr lvl="1"/>
+            <a:r>
+              <a:rPr lang="en-US" dirty="0" err="1"/>
+              <a:t>conda</a:t>
+            </a:r>
+            <a:r>
+              <a:rPr lang="en-US" dirty="0"/>
+              <a:t> environments</a:t>
+            </a:r>
+          </a:p>
+          <a:p>
+            <a:pPr lvl="1"/>
+            <a:r>
+              <a:rPr lang="en-US" dirty="0"/>
+              <a:t>manually calling the programs</a:t>
+            </a:r>
+          </a:p>
+          <a:p>
+            <a:pPr lvl="1"/>
+            <a:r>
+              <a:rPr lang="en-US" dirty="0"/>
+              <a:t>adapting the pipeline to run with your NGS data</a:t>
+            </a:r>
+          </a:p>
+        </p:txBody>
+      </p:sp>
     </p:spTree>
     <p:extLst>
       <p:ext uri="{BB962C8B-B14F-4D97-AF65-F5344CB8AC3E}">
-        <p14:creationId xmlns:p14="http://schemas.microsoft.com/office/powerpoint/2010/main" val="3047514434"/>
+        <p14:creationId xmlns:p14="http://schemas.microsoft.com/office/powerpoint/2010/main" val="818161504"/>
       </p:ext>
     </p:extLst>
   </p:cSld>
@@ -8995,7 +8140,7 @@
           <p:cNvPr id="2" name="Title 1">
             <a:extLst>
               <a:ext uri="{FF2B5EF4-FFF2-40B4-BE49-F238E27FC236}">
-                <a16:creationId xmlns:a16="http://schemas.microsoft.com/office/drawing/2014/main" id="{51AAE498-4FA6-C6B1-4379-4DC028A6F75B}"/>
+                <a16:creationId xmlns:a16="http://schemas.microsoft.com/office/drawing/2014/main" id="{9AEAFC1D-CA55-71A3-3309-69AFE828546A}"/>
               </a:ext>
             </a:extLst>
           </p:cNvPr>
@@ -9012,12 +8157,8 @@
           <a:lstStyle/>
           <a:p>
             <a:r>
-              <a:rPr lang="en-US" dirty="0" err="1"/>
-              <a:t>Snakemake</a:t>
-            </a:r>
-            <a:r>
               <a:rPr lang="en-US" dirty="0"/>
-              <a:t> exercises</a:t>
+              <a:t>Topics to discuss</a:t>
             </a:r>
           </a:p>
         </p:txBody>
@@ -9027,7 +8168,7 @@
           <p:cNvPr id="3" name="Content Placeholder 2">
             <a:extLst>
               <a:ext uri="{FF2B5EF4-FFF2-40B4-BE49-F238E27FC236}">
-                <a16:creationId xmlns:a16="http://schemas.microsoft.com/office/drawing/2014/main" id="{D10DDDBA-3E82-E50D-4C07-CB5D3DFAEC76}"/>
+                <a16:creationId xmlns:a16="http://schemas.microsoft.com/office/drawing/2014/main" id="{D65C8143-75CE-2EAB-A900-FB69EB01839F}"/>
               </a:ext>
             </a:extLst>
           </p:cNvPr>
@@ -9044,127 +8185,52 @@
           <a:lstStyle/>
           <a:p>
             <a:r>
-              <a:rPr lang="en-US" sz="1800" dirty="0"/>
-              <a:t>Modify the </a:t>
-            </a:r>
-            <a:r>
-              <a:rPr lang="en-US" sz="1800" i="1" dirty="0"/>
-              <a:t>Snakefile_start2.smk </a:t>
-            </a:r>
-            <a:r>
-              <a:rPr lang="en-US" sz="1800" dirty="0"/>
-              <a:t>to count the lines in file 2-trial.txt. Write the output into the file </a:t>
-            </a:r>
-            <a:r>
-              <a:rPr lang="en-US" sz="1800" dirty="0" err="1"/>
-              <a:t>my_count.txt</a:t>
-            </a:r>
-            <a:endParaRPr lang="en-US" sz="1800" dirty="0"/>
-          </a:p>
-          <a:p>
-            <a:r>
-              <a:rPr lang="en-US" sz="1800" dirty="0"/>
-              <a:t>Modify the </a:t>
-            </a:r>
-            <a:r>
-              <a:rPr lang="en-US" sz="1800" i="1" dirty="0" err="1"/>
-              <a:t>Snakefile_start_parallel.smk</a:t>
-            </a:r>
-            <a:r>
-              <a:rPr lang="en-US" sz="1800" i="1" dirty="0"/>
-              <a:t> </a:t>
-            </a:r>
-            <a:r>
-              <a:rPr lang="en-US" sz="1800" dirty="0"/>
-              <a:t>such that the output files have the suffix _</a:t>
-            </a:r>
-            <a:r>
-              <a:rPr lang="en-US" sz="1800" dirty="0" err="1"/>
-              <a:t>line_counts</a:t>
-            </a:r>
-            <a:r>
-              <a:rPr lang="en-US" sz="1800" dirty="0"/>
-              <a:t> instead of _counts. So </a:t>
-            </a:r>
-            <a:r>
-              <a:rPr lang="en-US" sz="1800" dirty="0" err="1"/>
-              <a:t>e.g</a:t>
-            </a:r>
-            <a:r>
-              <a:rPr lang="en-US" sz="1800" dirty="0"/>
-              <a:t> for the first file, instead of 1-karamazov_counts.txt the output file should be named 1-karamazov_line_counts.txt </a:t>
-            </a:r>
-          </a:p>
-          <a:p>
-            <a:r>
-              <a:rPr lang="en-US" sz="1800" dirty="0"/>
-              <a:t>Modify the </a:t>
-            </a:r>
-            <a:r>
-              <a:rPr lang="en-US" sz="1800" i="1" dirty="0" err="1"/>
-              <a:t>Snakefile_cmd.smk</a:t>
-            </a:r>
-            <a:r>
-              <a:rPr lang="en-US" sz="1800" i="1" dirty="0"/>
-              <a:t> </a:t>
-            </a:r>
-            <a:r>
-              <a:rPr lang="en-US" sz="1800" dirty="0"/>
-              <a:t>such that the output files have the suffix _</a:t>
-            </a:r>
-            <a:r>
-              <a:rPr lang="en-US" sz="1800" dirty="0" err="1"/>
-              <a:t>line_counts</a:t>
-            </a:r>
-            <a:r>
-              <a:rPr lang="en-US" sz="1800" dirty="0"/>
-              <a:t> instead of _counts. So </a:t>
-            </a:r>
-            <a:r>
-              <a:rPr lang="en-US" sz="1800" dirty="0" err="1"/>
-              <a:t>e.g</a:t>
-            </a:r>
-            <a:r>
-              <a:rPr lang="en-US" sz="1800" dirty="0"/>
-              <a:t> for the first file, instead of 1-karamazov_counts.txt the output file should be named 1-karamazov_line_counts.txt </a:t>
-            </a:r>
-          </a:p>
-          <a:p>
-            <a:r>
-              <a:rPr lang="en-US" sz="1800" dirty="0"/>
-              <a:t>Modify the </a:t>
-            </a:r>
-            <a:r>
-              <a:rPr lang="en-US" sz="1800" i="1" dirty="0"/>
-              <a:t>Snakefile_start_parallel2.smk </a:t>
-            </a:r>
-            <a:r>
-              <a:rPr lang="en-US" sz="1800" dirty="0"/>
-              <a:t>such that a copy of each </a:t>
-            </a:r>
-            <a:r>
-              <a:rPr lang="en-US" sz="1800" i="1" dirty="0"/>
-              <a:t>.txt </a:t>
-            </a:r>
-            <a:r>
-              <a:rPr lang="en-US" sz="1800" dirty="0"/>
-              <a:t>file in the data directory is made. The copy shall be placed in a directory named </a:t>
-            </a:r>
-            <a:r>
-              <a:rPr lang="en-US" sz="1800" i="1" dirty="0" err="1"/>
-              <a:t>copy_data</a:t>
-            </a:r>
-            <a:endParaRPr lang="en-US" sz="1800" i="1" dirty="0"/>
-          </a:p>
-          <a:p>
-            <a:endParaRPr lang="en-US" sz="1800" dirty="0"/>
+              <a:rPr lang="en-US" dirty="0"/>
+              <a:t>bcl2fastq and sample sheet</a:t>
+            </a:r>
+          </a:p>
+          <a:p>
+            <a:r>
+              <a:rPr lang="en-US" dirty="0"/>
+              <a:t>bcl2fastq with </a:t>
+            </a:r>
+            <a:r>
+              <a:rPr lang="en-US" dirty="0" err="1"/>
+              <a:t>Snakemake</a:t>
+            </a:r>
+            <a:endParaRPr lang="en-US" dirty="0"/>
+          </a:p>
+          <a:p>
+            <a:r>
+              <a:rPr lang="en-US" dirty="0"/>
+              <a:t>Pipeline from beginning (.</a:t>
+            </a:r>
+            <a:r>
+              <a:rPr lang="en-US" dirty="0" err="1"/>
+              <a:t>bcl</a:t>
+            </a:r>
+            <a:r>
+              <a:rPr lang="en-US" dirty="0"/>
+              <a:t> files) to end (.</a:t>
+            </a:r>
+            <a:r>
+              <a:rPr lang="en-US" dirty="0" err="1"/>
+              <a:t>daa</a:t>
+            </a:r>
+            <a:r>
+              <a:rPr lang="en-US" dirty="0"/>
+              <a:t> file)</a:t>
+            </a:r>
+          </a:p>
+          <a:p>
+            <a:endParaRPr lang="en-US" dirty="0"/>
           </a:p>
         </p:txBody>
       </p:sp>
     </p:spTree>
     <p:extLst>
       <p:ext uri="{BB962C8B-B14F-4D97-AF65-F5344CB8AC3E}">
-        <p14:creationId xmlns:p14="http://schemas.microsoft.com/office/powerpoint/2010/main" val="2558436475"/>
+        <p14:creationId xmlns:p14="http://schemas.microsoft.com/office/powerpoint/2010/main" val="2945722752"/>
       </p:ext>
     </p:extLst>
   </p:cSld>
@@ -9301,7 +8367,7 @@
         <p:spPr>
           <a:xfrm>
             <a:off x="1124465" y="3262184"/>
-            <a:ext cx="6519734" cy="353943"/>
+            <a:ext cx="6652783" cy="353943"/>
           </a:xfrm>
           <a:prstGeom prst="rect">
             <a:avLst/>
@@ -9376,7 +8442,7 @@
           <p:cNvPr id="2" name="Title 1">
             <a:extLst>
               <a:ext uri="{FF2B5EF4-FFF2-40B4-BE49-F238E27FC236}">
-                <a16:creationId xmlns:a16="http://schemas.microsoft.com/office/drawing/2014/main" id="{51AAE498-4FA6-C6B1-4379-4DC028A6F75B}"/>
+                <a16:creationId xmlns:a16="http://schemas.microsoft.com/office/drawing/2014/main" id="{55922D27-B611-30DE-8E27-2D54B3953193}"/>
               </a:ext>
             </a:extLst>
           </p:cNvPr>
@@ -9394,11 +8460,11 @@
           <a:p>
             <a:r>
               <a:rPr lang="en-US" dirty="0" err="1"/>
-              <a:t>Snakemake</a:t>
+              <a:t>Conda</a:t>
             </a:r>
             <a:r>
               <a:rPr lang="en-US" dirty="0"/>
-              <a:t> exercises</a:t>
+              <a:t> environment</a:t>
             </a:r>
           </a:p>
         </p:txBody>
@@ -9408,7 +8474,7 @@
           <p:cNvPr id="3" name="Content Placeholder 2">
             <a:extLst>
               <a:ext uri="{FF2B5EF4-FFF2-40B4-BE49-F238E27FC236}">
-                <a16:creationId xmlns:a16="http://schemas.microsoft.com/office/drawing/2014/main" id="{D10DDDBA-3E82-E50D-4C07-CB5D3DFAEC76}"/>
+                <a16:creationId xmlns:a16="http://schemas.microsoft.com/office/drawing/2014/main" id="{6543D69F-57A2-F947-8A5C-6BEC9F737F60}"/>
               </a:ext>
             </a:extLst>
           </p:cNvPr>
@@ -9424,14 +8490,42 @@
           <a:bodyPr/>
           <a:lstStyle/>
           <a:p>
-            <a:endParaRPr lang="en-US" sz="1800" dirty="0"/>
+            <a:r>
+              <a:rPr lang="en-US" dirty="0"/>
+              <a:t>Software is built upon other software</a:t>
+            </a:r>
+          </a:p>
+          <a:p>
+            <a:r>
+              <a:rPr lang="en-US" dirty="0"/>
+              <a:t>Some functionality is only available in certain versions of a software</a:t>
+            </a:r>
+          </a:p>
+          <a:p>
+            <a:r>
+              <a:rPr lang="en-US" dirty="0"/>
+              <a:t>For Reproducibility it is necessary to know which version was used to generate data</a:t>
+            </a:r>
+          </a:p>
+          <a:p>
+            <a:r>
+              <a:rPr lang="en-US" dirty="0"/>
+              <a:t>Other aspect:</a:t>
+            </a:r>
+          </a:p>
+          <a:p>
+            <a:pPr lvl="1"/>
+            <a:r>
+              <a:rPr lang="en-US" dirty="0"/>
+              <a:t>Two different software packages might need different versions of a third software package</a:t>
+            </a:r>
           </a:p>
         </p:txBody>
       </p:sp>
     </p:spTree>
     <p:extLst>
       <p:ext uri="{BB962C8B-B14F-4D97-AF65-F5344CB8AC3E}">
-        <p14:creationId xmlns:p14="http://schemas.microsoft.com/office/powerpoint/2010/main" val="3356184800"/>
+        <p14:creationId xmlns:p14="http://schemas.microsoft.com/office/powerpoint/2010/main" val="19007479"/>
       </p:ext>
     </p:extLst>
   </p:cSld>
@@ -9441,7 +8535,7 @@
 </p:sld>
 </file>
 
-<file path=ppt/slides/slide3.xml><?xml version="1.0" encoding="utf-8"?>
+<file path=ppt/slides/slide21.xml><?xml version="1.0" encoding="utf-8"?>
 <p:sld xmlns:a="http://schemas.openxmlformats.org/drawingml/2006/main" xmlns:r="http://schemas.openxmlformats.org/officeDocument/2006/relationships" xmlns:p="http://schemas.openxmlformats.org/presentationml/2006/main">
   <p:cSld>
     <p:spTree>
@@ -9463,7 +8557,7 @@
           <p:cNvPr id="2" name="Title 1">
             <a:extLst>
               <a:ext uri="{FF2B5EF4-FFF2-40B4-BE49-F238E27FC236}">
-                <a16:creationId xmlns:a16="http://schemas.microsoft.com/office/drawing/2014/main" id="{B85E50DD-72B8-1BF3-5526-083FC2B7BB33}"/>
+                <a16:creationId xmlns:a16="http://schemas.microsoft.com/office/drawing/2014/main" id="{55922D27-B611-30DE-8E27-2D54B3953193}"/>
               </a:ext>
             </a:extLst>
           </p:cNvPr>
@@ -9481,110 +8575,81 @@
           <a:p>
             <a:r>
               <a:rPr lang="en-US" dirty="0" err="1"/>
-              <a:t>Snakemake</a:t>
+              <a:t>Conda</a:t>
             </a:r>
             <a:r>
               <a:rPr lang="en-US" dirty="0"/>
-              <a:t> intro</a:t>
-            </a:r>
-            <a:endParaRPr lang="en-DE" dirty="0"/>
-          </a:p>
-        </p:txBody>
-      </p:sp>
-      <p:pic>
-        <p:nvPicPr>
-          <p:cNvPr id="22" name="Graphic 21" descr="Cmd Terminal outline">
-            <a:extLst>
-              <a:ext uri="{FF2B5EF4-FFF2-40B4-BE49-F238E27FC236}">
-                <a16:creationId xmlns:a16="http://schemas.microsoft.com/office/drawing/2014/main" id="{6D44B89E-0D67-1A13-C1D5-CE8F037AE0A6}"/>
-              </a:ext>
-            </a:extLst>
-          </p:cNvPr>
-          <p:cNvPicPr>
-            <a:picLocks noChangeAspect="1"/>
-          </p:cNvPicPr>
-          <p:nvPr/>
-        </p:nvPicPr>
-        <p:blipFill>
-          <a:blip r:embed="rId3">
-            <a:extLst>
-              <a:ext uri="{28A0092B-C50C-407E-A947-70E740481C1C}">
-                <a14:useLocalDpi xmlns:a14="http://schemas.microsoft.com/office/drawing/2010/main" val="0"/>
-              </a:ext>
-              <a:ext uri="{96DAC541-7B7A-43D3-8B79-37D633B846F1}">
-                <asvg:svgBlip xmlns:asvg="http://schemas.microsoft.com/office/drawing/2016/SVG/main" r:embed="rId4"/>
-              </a:ext>
-            </a:extLst>
-          </a:blip>
-          <a:stretch>
-            <a:fillRect/>
-          </a:stretch>
-        </p:blipFill>
+              <a:t> environment</a:t>
+            </a:r>
+          </a:p>
+        </p:txBody>
+      </p:sp>
+      <p:sp>
+        <p:nvSpPr>
+          <p:cNvPr id="3" name="Content Placeholder 2">
+            <a:extLst>
+              <a:ext uri="{FF2B5EF4-FFF2-40B4-BE49-F238E27FC236}">
+                <a16:creationId xmlns:a16="http://schemas.microsoft.com/office/drawing/2014/main" id="{6543D69F-57A2-F947-8A5C-6BEC9F737F60}"/>
+              </a:ext>
+            </a:extLst>
+          </p:cNvPr>
+          <p:cNvSpPr>
+            <a:spLocks noGrp="1"/>
+          </p:cNvSpPr>
+          <p:nvPr>
+            <p:ph idx="1"/>
+          </p:nvPr>
+        </p:nvSpPr>
         <p:spPr>
           <a:xfrm>
-            <a:off x="777280" y="2305422"/>
-            <a:ext cx="914400" cy="914400"/>
-          </a:xfrm>
-          <a:prstGeom prst="rect">
-            <a:avLst/>
-          </a:prstGeom>
-        </p:spPr>
-      </p:pic>
-      <p:pic>
-        <p:nvPicPr>
-          <p:cNvPr id="24" name="Graphic 23" descr="Scroll outline">
-            <a:extLst>
-              <a:ext uri="{FF2B5EF4-FFF2-40B4-BE49-F238E27FC236}">
-                <a16:creationId xmlns:a16="http://schemas.microsoft.com/office/drawing/2014/main" id="{9249547C-41BC-00F4-18BB-5E3DF2D7E2FE}"/>
-              </a:ext>
-            </a:extLst>
-          </p:cNvPr>
-          <p:cNvPicPr>
-            <a:picLocks noChangeAspect="1"/>
-          </p:cNvPicPr>
+            <a:off x="250825" y="736601"/>
+            <a:ext cx="8642350" cy="1835150"/>
+          </a:xfrm>
+        </p:spPr>
+        <p:txBody>
+          <a:bodyPr/>
+          <a:lstStyle/>
+          <a:p>
+            <a:r>
+              <a:rPr lang="en-US" dirty="0"/>
+              <a:t>Other aspect:</a:t>
+            </a:r>
+          </a:p>
+          <a:p>
+            <a:pPr lvl="1"/>
+            <a:r>
+              <a:rPr lang="en-US" dirty="0"/>
+              <a:t>Two different software packages might need different versions of a third software package</a:t>
+            </a:r>
+          </a:p>
+          <a:p>
+            <a:pPr lvl="1"/>
+            <a:endParaRPr lang="en-US" dirty="0"/>
+          </a:p>
+          <a:p>
+            <a:pPr marL="457200" lvl="1" indent="0">
+              <a:buNone/>
+            </a:pPr>
+            <a:endParaRPr lang="en-US" dirty="0"/>
+          </a:p>
+        </p:txBody>
+      </p:sp>
+      <p:sp>
+        <p:nvSpPr>
+          <p:cNvPr id="4" name="TextBox 3">
+            <a:extLst>
+              <a:ext uri="{FF2B5EF4-FFF2-40B4-BE49-F238E27FC236}">
+                <a16:creationId xmlns:a16="http://schemas.microsoft.com/office/drawing/2014/main" id="{5A33B52A-96AA-8886-E7A1-895AA54D03C1}"/>
+              </a:ext>
+            </a:extLst>
+          </p:cNvPr>
+          <p:cNvSpPr txBox="1"/>
           <p:nvPr/>
-        </p:nvPicPr>
-        <p:blipFill>
-          <a:blip r:embed="rId5">
-            <a:extLst>
-              <a:ext uri="{28A0092B-C50C-407E-A947-70E740481C1C}">
-                <a14:useLocalDpi xmlns:a14="http://schemas.microsoft.com/office/drawing/2010/main" val="0"/>
-              </a:ext>
-              <a:ext uri="{96DAC541-7B7A-43D3-8B79-37D633B846F1}">
-                <asvg:svgBlip xmlns:asvg="http://schemas.microsoft.com/office/drawing/2016/SVG/main" r:embed="rId6"/>
-              </a:ext>
-            </a:extLst>
-          </a:blip>
-          <a:stretch>
-            <a:fillRect/>
-          </a:stretch>
-        </p:blipFill>
+        </p:nvSpPr>
         <p:spPr>
           <a:xfrm>
-            <a:off x="1907704" y="2305422"/>
-            <a:ext cx="914400" cy="914400"/>
-          </a:xfrm>
-          <a:prstGeom prst="rect">
-            <a:avLst/>
-          </a:prstGeom>
-        </p:spPr>
-      </p:pic>
-      <p:sp>
-        <p:nvSpPr>
-          <p:cNvPr id="26" name="TextBox 25">
-            <a:extLst>
-              <a:ext uri="{FF2B5EF4-FFF2-40B4-BE49-F238E27FC236}">
-                <a16:creationId xmlns:a16="http://schemas.microsoft.com/office/drawing/2014/main" id="{306AA149-A67A-E221-31FA-E0DA395F758A}"/>
-              </a:ext>
-            </a:extLst>
-          </p:cNvPr>
-          <p:cNvSpPr txBox="1"/>
-          <p:nvPr/>
-        </p:nvSpPr>
-        <p:spPr>
-          <a:xfrm>
-            <a:off x="467544" y="1209695"/>
-            <a:ext cx="6519734" cy="353943"/>
+            <a:off x="1979712" y="3507854"/>
+            <a:ext cx="1388522" cy="353943"/>
           </a:xfrm>
           <a:prstGeom prst="rect">
             <a:avLst/>
@@ -9598,48 +8663,135 @@
           <a:lstStyle/>
           <a:p>
             <a:r>
-              <a:rPr lang="en-US" dirty="0" err="1"/>
-              <a:t>snakemake</a:t>
-            </a:r>
-            <a:r>
               <a:rPr lang="en-US" dirty="0"/>
-              <a:t> -s </a:t>
-            </a:r>
-            <a:r>
-              <a:rPr lang="en-US" dirty="0" err="1"/>
-              <a:t>Snakefile_simplified.smk</a:t>
-            </a:r>
+              <a:t>diamond 1.2</a:t>
+            </a:r>
+          </a:p>
+        </p:txBody>
+      </p:sp>
+      <p:sp>
+        <p:nvSpPr>
+          <p:cNvPr id="5" name="TextBox 4">
+            <a:extLst>
+              <a:ext uri="{FF2B5EF4-FFF2-40B4-BE49-F238E27FC236}">
+                <a16:creationId xmlns:a16="http://schemas.microsoft.com/office/drawing/2014/main" id="{8A2B1A58-A8E4-047D-3D63-34B533EBC94A}"/>
+              </a:ext>
+            </a:extLst>
+          </p:cNvPr>
+          <p:cNvSpPr txBox="1"/>
+          <p:nvPr/>
+        </p:nvSpPr>
+        <p:spPr>
+          <a:xfrm>
+            <a:off x="4067944" y="3507854"/>
+            <a:ext cx="1388522" cy="353943"/>
+          </a:xfrm>
+          <a:prstGeom prst="rect">
+            <a:avLst/>
+          </a:prstGeom>
+          <a:noFill/>
+        </p:spPr>
+        <p:txBody>
+          <a:bodyPr wrap="none" rtlCol="0">
+            <a:spAutoFit/>
+          </a:bodyPr>
+          <a:lstStyle/>
+          <a:p>
             <a:r>
               <a:rPr lang="en-US" dirty="0"/>
-              <a:t> --use-</a:t>
-            </a:r>
-            <a:r>
-              <a:rPr lang="en-US" dirty="0" err="1"/>
-              <a:t>conda</a:t>
-            </a:r>
+              <a:t>diamond 1.5</a:t>
+            </a:r>
+          </a:p>
+        </p:txBody>
+      </p:sp>
+      <p:sp>
+        <p:nvSpPr>
+          <p:cNvPr id="6" name="TextBox 5">
+            <a:extLst>
+              <a:ext uri="{FF2B5EF4-FFF2-40B4-BE49-F238E27FC236}">
+                <a16:creationId xmlns:a16="http://schemas.microsoft.com/office/drawing/2014/main" id="{63811F9C-E72F-56F8-4DBD-1C961C6130E9}"/>
+              </a:ext>
+            </a:extLst>
+          </p:cNvPr>
+          <p:cNvSpPr txBox="1"/>
+          <p:nvPr/>
+        </p:nvSpPr>
+        <p:spPr>
+          <a:xfrm>
+            <a:off x="870438" y="2901462"/>
+            <a:ext cx="1241815" cy="353943"/>
+          </a:xfrm>
+          <a:prstGeom prst="rect">
+            <a:avLst/>
+          </a:prstGeom>
+          <a:noFill/>
+        </p:spPr>
+        <p:txBody>
+          <a:bodyPr wrap="none" rtlCol="0">
+            <a:spAutoFit/>
+          </a:bodyPr>
+          <a:lstStyle/>
+          <a:p>
             <a:r>
               <a:rPr lang="en-US" dirty="0"/>
-              <a:t> --cores 8 -np</a:t>
+              <a:t>Software A</a:t>
+            </a:r>
+          </a:p>
+        </p:txBody>
+      </p:sp>
+      <p:sp>
+        <p:nvSpPr>
+          <p:cNvPr id="7" name="TextBox 6">
+            <a:extLst>
+              <a:ext uri="{FF2B5EF4-FFF2-40B4-BE49-F238E27FC236}">
+                <a16:creationId xmlns:a16="http://schemas.microsoft.com/office/drawing/2014/main" id="{440CA19B-8D97-A1A3-771F-1095FA135CA4}"/>
+              </a:ext>
+            </a:extLst>
+          </p:cNvPr>
+          <p:cNvSpPr txBox="1"/>
+          <p:nvPr/>
+        </p:nvSpPr>
+        <p:spPr>
+          <a:xfrm>
+            <a:off x="5724128" y="2901462"/>
+            <a:ext cx="1253869" cy="353943"/>
+          </a:xfrm>
+          <a:prstGeom prst="rect">
+            <a:avLst/>
+          </a:prstGeom>
+          <a:noFill/>
+        </p:spPr>
+        <p:txBody>
+          <a:bodyPr wrap="none" rtlCol="0">
+            <a:spAutoFit/>
+          </a:bodyPr>
+          <a:lstStyle/>
+          <a:p>
+            <a:r>
+              <a:rPr lang="en-US" dirty="0"/>
+              <a:t>Software B</a:t>
             </a:r>
           </a:p>
         </p:txBody>
       </p:sp>
       <p:cxnSp>
         <p:nvCxnSpPr>
-          <p:cNvPr id="28" name="Straight Arrow Connector 27">
-            <a:extLst>
-              <a:ext uri="{FF2B5EF4-FFF2-40B4-BE49-F238E27FC236}">
-                <a16:creationId xmlns:a16="http://schemas.microsoft.com/office/drawing/2014/main" id="{8CE5AF7A-E17C-808C-DD75-C258C5F3B8AE}"/>
-              </a:ext>
-            </a:extLst>
-          </p:cNvPr>
-          <p:cNvCxnSpPr/>
+          <p:cNvPr id="9" name="Straight Arrow Connector 8">
+            <a:extLst>
+              <a:ext uri="{FF2B5EF4-FFF2-40B4-BE49-F238E27FC236}">
+                <a16:creationId xmlns:a16="http://schemas.microsoft.com/office/drawing/2014/main" id="{F692930F-FC2F-1E92-D9BC-9EF3FD173A15}"/>
+              </a:ext>
+            </a:extLst>
+          </p:cNvPr>
+          <p:cNvCxnSpPr>
+            <a:endCxn id="4" idx="0"/>
+          </p:cNvCxnSpPr>
           <p:nvPr/>
         </p:nvCxnSpPr>
         <p:spPr bwMode="auto">
           <a:xfrm>
-            <a:off x="1187624" y="1563638"/>
-            <a:ext cx="0" cy="720080"/>
+            <a:off x="1619672" y="3255405"/>
+            <a:ext cx="1054301" cy="252449"/>
           </a:xfrm>
           <a:prstGeom prst="straightConnector1">
             <a:avLst/>
@@ -9672,20 +8824,22 @@
       </p:cxnSp>
       <p:cxnSp>
         <p:nvCxnSpPr>
-          <p:cNvPr id="29" name="Straight Arrow Connector 28">
-            <a:extLst>
-              <a:ext uri="{FF2B5EF4-FFF2-40B4-BE49-F238E27FC236}">
-                <a16:creationId xmlns:a16="http://schemas.microsoft.com/office/drawing/2014/main" id="{31ECCFE4-390D-8E53-24AD-22E14F60EC9A}"/>
-              </a:ext>
-            </a:extLst>
-          </p:cNvPr>
-          <p:cNvCxnSpPr/>
+          <p:cNvPr id="10" name="Straight Arrow Connector 9">
+            <a:extLst>
+              <a:ext uri="{FF2B5EF4-FFF2-40B4-BE49-F238E27FC236}">
+                <a16:creationId xmlns:a16="http://schemas.microsoft.com/office/drawing/2014/main" id="{2A0818AB-4ADC-2D0F-2EDA-A9647B9C28ED}"/>
+              </a:ext>
+            </a:extLst>
+          </p:cNvPr>
+          <p:cNvCxnSpPr>
+            <a:endCxn id="5" idx="0"/>
+          </p:cNvCxnSpPr>
           <p:nvPr/>
         </p:nvCxnSpPr>
         <p:spPr bwMode="auto">
-          <a:xfrm>
-            <a:off x="2322665" y="1576138"/>
-            <a:ext cx="0" cy="720080"/>
+          <a:xfrm flipH="1">
+            <a:off x="4762205" y="3255404"/>
+            <a:ext cx="1516950" cy="252450"/>
           </a:xfrm>
           <a:prstGeom prst="straightConnector1">
             <a:avLst/>
@@ -9716,180 +8870,280 @@
           </a:extLst>
         </p:spPr>
       </p:cxnSp>
-      <p:pic>
-        <p:nvPicPr>
-          <p:cNvPr id="31" name="Graphic 30" descr="Document outline">
-            <a:extLst>
-              <a:ext uri="{FF2B5EF4-FFF2-40B4-BE49-F238E27FC236}">
-                <a16:creationId xmlns:a16="http://schemas.microsoft.com/office/drawing/2014/main" id="{F330E0FA-0732-663E-618D-FF14486B1465}"/>
-              </a:ext>
-            </a:extLst>
-          </p:cNvPr>
-          <p:cNvPicPr>
-            <a:picLocks noChangeAspect="1"/>
-          </p:cNvPicPr>
-          <p:nvPr/>
-        </p:nvPicPr>
-        <p:blipFill>
-          <a:blip r:embed="rId7">
-            <a:extLst>
-              <a:ext uri="{28A0092B-C50C-407E-A947-70E740481C1C}">
-                <a14:useLocalDpi xmlns:a14="http://schemas.microsoft.com/office/drawing/2010/main" val="0"/>
-              </a:ext>
-              <a:ext uri="{96DAC541-7B7A-43D3-8B79-37D633B846F1}">
-                <asvg:svgBlip xmlns:asvg="http://schemas.microsoft.com/office/drawing/2016/SVG/main" r:embed="rId8"/>
-              </a:ext>
-            </a:extLst>
-          </a:blip>
-          <a:stretch>
-            <a:fillRect/>
-          </a:stretch>
-        </p:blipFill>
+    </p:spTree>
+    <p:extLst>
+      <p:ext uri="{BB962C8B-B14F-4D97-AF65-F5344CB8AC3E}">
+        <p14:creationId xmlns:p14="http://schemas.microsoft.com/office/powerpoint/2010/main" val="2724491070"/>
+      </p:ext>
+    </p:extLst>
+  </p:cSld>
+  <p:clrMapOvr>
+    <a:masterClrMapping/>
+  </p:clrMapOvr>
+</p:sld>
+</file>
+
+<file path=ppt/slides/slide22.xml><?xml version="1.0" encoding="utf-8"?>
+<p:sld xmlns:a="http://schemas.openxmlformats.org/drawingml/2006/main" xmlns:r="http://schemas.openxmlformats.org/officeDocument/2006/relationships" xmlns:p="http://schemas.openxmlformats.org/presentationml/2006/main">
+  <p:cSld>
+    <p:spTree>
+      <p:nvGrpSpPr>
+        <p:cNvPr id="1" name=""/>
+        <p:cNvGrpSpPr/>
+        <p:nvPr/>
+      </p:nvGrpSpPr>
+      <p:grpSpPr>
+        <a:xfrm>
+          <a:off x="0" y="0"/>
+          <a:ext cx="0" cy="0"/>
+          <a:chOff x="0" y="0"/>
+          <a:chExt cx="0" cy="0"/>
+        </a:xfrm>
+      </p:grpSpPr>
+      <p:sp>
+        <p:nvSpPr>
+          <p:cNvPr id="2" name="Title 1">
+            <a:extLst>
+              <a:ext uri="{FF2B5EF4-FFF2-40B4-BE49-F238E27FC236}">
+                <a16:creationId xmlns:a16="http://schemas.microsoft.com/office/drawing/2014/main" id="{55922D27-B611-30DE-8E27-2D54B3953193}"/>
+              </a:ext>
+            </a:extLst>
+          </p:cNvPr>
+          <p:cNvSpPr>
+            <a:spLocks noGrp="1"/>
+          </p:cNvSpPr>
+          <p:nvPr>
+            <p:ph type="title"/>
+          </p:nvPr>
+        </p:nvSpPr>
+        <p:spPr/>
+        <p:txBody>
+          <a:bodyPr/>
+          <a:lstStyle/>
+          <a:p>
+            <a:r>
+              <a:rPr lang="en-US" dirty="0" err="1"/>
+              <a:t>Conda</a:t>
+            </a:r>
+            <a:r>
+              <a:rPr lang="en-US" dirty="0"/>
+              <a:t> environment</a:t>
+            </a:r>
+          </a:p>
+        </p:txBody>
+      </p:sp>
+      <p:sp>
+        <p:nvSpPr>
+          <p:cNvPr id="3" name="Content Placeholder 2">
+            <a:extLst>
+              <a:ext uri="{FF2B5EF4-FFF2-40B4-BE49-F238E27FC236}">
+                <a16:creationId xmlns:a16="http://schemas.microsoft.com/office/drawing/2014/main" id="{6543D69F-57A2-F947-8A5C-6BEC9F737F60}"/>
+              </a:ext>
+            </a:extLst>
+          </p:cNvPr>
+          <p:cNvSpPr>
+            <a:spLocks noGrp="1"/>
+          </p:cNvSpPr>
+          <p:nvPr>
+            <p:ph idx="1"/>
+          </p:nvPr>
+        </p:nvSpPr>
         <p:spPr>
           <a:xfrm>
-            <a:off x="4114800" y="2571750"/>
-            <a:ext cx="457200" cy="457200"/>
+            <a:off x="250825" y="736601"/>
+            <a:ext cx="8642350" cy="1835150"/>
+          </a:xfrm>
+        </p:spPr>
+        <p:txBody>
+          <a:bodyPr/>
+          <a:lstStyle/>
+          <a:p>
+            <a:r>
+              <a:rPr lang="en-US" dirty="0"/>
+              <a:t>Other aspect:</a:t>
+            </a:r>
+          </a:p>
+          <a:p>
+            <a:pPr lvl="1"/>
+            <a:r>
+              <a:rPr lang="en-US" dirty="0"/>
+              <a:t>Two different software packages might need different versions of a third software package</a:t>
+            </a:r>
+          </a:p>
+          <a:p>
+            <a:pPr lvl="1"/>
+            <a:endParaRPr lang="en-US" dirty="0"/>
+          </a:p>
+          <a:p>
+            <a:pPr marL="457200" lvl="1" indent="0">
+              <a:buNone/>
+            </a:pPr>
+            <a:endParaRPr lang="en-US" dirty="0"/>
+          </a:p>
+        </p:txBody>
+      </p:sp>
+      <p:sp>
+        <p:nvSpPr>
+          <p:cNvPr id="4" name="TextBox 3">
+            <a:extLst>
+              <a:ext uri="{FF2B5EF4-FFF2-40B4-BE49-F238E27FC236}">
+                <a16:creationId xmlns:a16="http://schemas.microsoft.com/office/drawing/2014/main" id="{5A33B52A-96AA-8886-E7A1-895AA54D03C1}"/>
+              </a:ext>
+            </a:extLst>
+          </p:cNvPr>
+          <p:cNvSpPr txBox="1"/>
+          <p:nvPr/>
+        </p:nvSpPr>
+        <p:spPr>
+          <a:xfrm>
+            <a:off x="1979712" y="3507854"/>
+            <a:ext cx="1374094" cy="353943"/>
           </a:xfrm>
           <a:prstGeom prst="rect">
             <a:avLst/>
           </a:prstGeom>
-        </p:spPr>
-      </p:pic>
-      <p:pic>
-        <p:nvPicPr>
-          <p:cNvPr id="32" name="Graphic 31" descr="Document outline">
-            <a:extLst>
-              <a:ext uri="{FF2B5EF4-FFF2-40B4-BE49-F238E27FC236}">
-                <a16:creationId xmlns:a16="http://schemas.microsoft.com/office/drawing/2014/main" id="{4E81EB61-D670-34C6-5C28-BE5B172F81EF}"/>
-              </a:ext>
-            </a:extLst>
-          </p:cNvPr>
-          <p:cNvPicPr>
-            <a:picLocks noChangeAspect="1"/>
-          </p:cNvPicPr>
+          <a:noFill/>
+        </p:spPr>
+        <p:txBody>
+          <a:bodyPr wrap="none" rtlCol="0">
+            <a:spAutoFit/>
+          </a:bodyPr>
+          <a:lstStyle/>
+          <a:p>
+            <a:r>
+              <a:rPr lang="en-US" dirty="0"/>
+              <a:t>Windows 10</a:t>
+            </a:r>
+          </a:p>
+        </p:txBody>
+      </p:sp>
+      <p:sp>
+        <p:nvSpPr>
+          <p:cNvPr id="5" name="TextBox 4">
+            <a:extLst>
+              <a:ext uri="{FF2B5EF4-FFF2-40B4-BE49-F238E27FC236}">
+                <a16:creationId xmlns:a16="http://schemas.microsoft.com/office/drawing/2014/main" id="{8A2B1A58-A8E4-047D-3D63-34B533EBC94A}"/>
+              </a:ext>
+            </a:extLst>
+          </p:cNvPr>
+          <p:cNvSpPr txBox="1"/>
           <p:nvPr/>
-        </p:nvPicPr>
-        <p:blipFill>
-          <a:blip r:embed="rId7">
-            <a:extLst>
-              <a:ext uri="{28A0092B-C50C-407E-A947-70E740481C1C}">
-                <a14:useLocalDpi xmlns:a14="http://schemas.microsoft.com/office/drawing/2010/main" val="0"/>
-              </a:ext>
-              <a:ext uri="{96DAC541-7B7A-43D3-8B79-37D633B846F1}">
-                <asvg:svgBlip xmlns:asvg="http://schemas.microsoft.com/office/drawing/2016/SVG/main" r:embed="rId8"/>
-              </a:ext>
-            </a:extLst>
-          </a:blip>
-          <a:stretch>
-            <a:fillRect/>
-          </a:stretch>
-        </p:blipFill>
+        </p:nvSpPr>
         <p:spPr>
           <a:xfrm>
-            <a:off x="3524658" y="2283203"/>
-            <a:ext cx="457200" cy="457200"/>
+            <a:off x="4067944" y="3507854"/>
+            <a:ext cx="1422184" cy="353943"/>
           </a:xfrm>
           <a:prstGeom prst="rect">
             <a:avLst/>
           </a:prstGeom>
-        </p:spPr>
-      </p:pic>
-      <p:pic>
-        <p:nvPicPr>
-          <p:cNvPr id="33" name="Graphic 32" descr="Document outline">
-            <a:extLst>
-              <a:ext uri="{FF2B5EF4-FFF2-40B4-BE49-F238E27FC236}">
-                <a16:creationId xmlns:a16="http://schemas.microsoft.com/office/drawing/2014/main" id="{CA7601EE-D42D-765C-47FE-3B19839D695B}"/>
-              </a:ext>
-            </a:extLst>
-          </p:cNvPr>
-          <p:cNvPicPr>
-            <a:picLocks noChangeAspect="1"/>
-          </p:cNvPicPr>
+          <a:noFill/>
+        </p:spPr>
+        <p:txBody>
+          <a:bodyPr wrap="none" rtlCol="0">
+            <a:spAutoFit/>
+          </a:bodyPr>
+          <a:lstStyle/>
+          <a:p>
+            <a:r>
+              <a:rPr lang="en-US" dirty="0"/>
+              <a:t>Windows XP</a:t>
+            </a:r>
+          </a:p>
+        </p:txBody>
+      </p:sp>
+      <p:sp>
+        <p:nvSpPr>
+          <p:cNvPr id="6" name="TextBox 5">
+            <a:extLst>
+              <a:ext uri="{FF2B5EF4-FFF2-40B4-BE49-F238E27FC236}">
+                <a16:creationId xmlns:a16="http://schemas.microsoft.com/office/drawing/2014/main" id="{63811F9C-E72F-56F8-4DBD-1C961C6130E9}"/>
+              </a:ext>
+            </a:extLst>
+          </p:cNvPr>
+          <p:cNvSpPr txBox="1"/>
           <p:nvPr/>
-        </p:nvPicPr>
-        <p:blipFill>
-          <a:blip r:embed="rId7">
-            <a:extLst>
-              <a:ext uri="{28A0092B-C50C-407E-A947-70E740481C1C}">
-                <a14:useLocalDpi xmlns:a14="http://schemas.microsoft.com/office/drawing/2010/main" val="0"/>
-              </a:ext>
-              <a:ext uri="{96DAC541-7B7A-43D3-8B79-37D633B846F1}">
-                <asvg:svgBlip xmlns:asvg="http://schemas.microsoft.com/office/drawing/2016/SVG/main" r:embed="rId8"/>
-              </a:ext>
-            </a:extLst>
-          </a:blip>
-          <a:stretch>
-            <a:fillRect/>
-          </a:stretch>
-        </p:blipFill>
+        </p:nvSpPr>
         <p:spPr>
           <a:xfrm>
-            <a:off x="3498811" y="3179155"/>
-            <a:ext cx="457200" cy="457200"/>
+            <a:off x="541318" y="2775237"/>
+            <a:ext cx="2226763" cy="353943"/>
           </a:xfrm>
           <a:prstGeom prst="rect">
             <a:avLst/>
           </a:prstGeom>
-        </p:spPr>
-      </p:pic>
-      <p:pic>
-        <p:nvPicPr>
-          <p:cNvPr id="35" name="Graphic 34" descr="Folder Search outline">
-            <a:extLst>
-              <a:ext uri="{FF2B5EF4-FFF2-40B4-BE49-F238E27FC236}">
-                <a16:creationId xmlns:a16="http://schemas.microsoft.com/office/drawing/2014/main" id="{0A6413EB-4C23-A077-8E0F-2786E0CDDF55}"/>
-              </a:ext>
-            </a:extLst>
-          </p:cNvPr>
-          <p:cNvPicPr>
-            <a:picLocks noChangeAspect="1"/>
-          </p:cNvPicPr>
+          <a:noFill/>
+        </p:spPr>
+        <p:txBody>
+          <a:bodyPr wrap="none" rtlCol="0">
+            <a:spAutoFit/>
+          </a:bodyPr>
+          <a:lstStyle/>
+          <a:p>
+            <a:r>
+              <a:rPr lang="en-US" dirty="0" err="1"/>
+              <a:t>Tapestation</a:t>
+            </a:r>
+            <a:r>
+              <a:rPr lang="en-US" dirty="0"/>
+              <a:t> Software</a:t>
+            </a:r>
+          </a:p>
+        </p:txBody>
+      </p:sp>
+      <p:sp>
+        <p:nvSpPr>
+          <p:cNvPr id="7" name="TextBox 6">
+            <a:extLst>
+              <a:ext uri="{FF2B5EF4-FFF2-40B4-BE49-F238E27FC236}">
+                <a16:creationId xmlns:a16="http://schemas.microsoft.com/office/drawing/2014/main" id="{440CA19B-8D97-A1A3-771F-1095FA135CA4}"/>
+              </a:ext>
+            </a:extLst>
+          </p:cNvPr>
+          <p:cNvSpPr txBox="1"/>
           <p:nvPr/>
-        </p:nvPicPr>
-        <p:blipFill>
-          <a:blip r:embed="rId9">
-            <a:extLst>
-              <a:ext uri="{28A0092B-C50C-407E-A947-70E740481C1C}">
-                <a14:useLocalDpi xmlns:a14="http://schemas.microsoft.com/office/drawing/2010/main" val="0"/>
-              </a:ext>
-              <a:ext uri="{96DAC541-7B7A-43D3-8B79-37D633B846F1}">
-                <asvg:svgBlip xmlns:asvg="http://schemas.microsoft.com/office/drawing/2016/SVG/main" r:embed="rId10"/>
-              </a:ext>
-            </a:extLst>
-          </a:blip>
-          <a:stretch>
-            <a:fillRect/>
-          </a:stretch>
-        </p:blipFill>
+        </p:nvSpPr>
         <p:spPr>
           <a:xfrm>
-            <a:off x="4114800" y="3179155"/>
-            <a:ext cx="601216" cy="601216"/>
+            <a:off x="5292080" y="2719021"/>
+            <a:ext cx="3050835" cy="353943"/>
           </a:xfrm>
           <a:prstGeom prst="rect">
             <a:avLst/>
           </a:prstGeom>
-        </p:spPr>
-      </p:pic>
+          <a:noFill/>
+        </p:spPr>
+        <p:txBody>
+          <a:bodyPr wrap="none" rtlCol="0">
+            <a:spAutoFit/>
+          </a:bodyPr>
+          <a:lstStyle/>
+          <a:p>
+            <a:r>
+              <a:rPr lang="en-US" dirty="0"/>
+              <a:t>Software for old qPCR device</a:t>
+            </a:r>
+          </a:p>
+        </p:txBody>
+      </p:sp>
       <p:cxnSp>
         <p:nvCxnSpPr>
-          <p:cNvPr id="36" name="Straight Arrow Connector 35">
-            <a:extLst>
-              <a:ext uri="{FF2B5EF4-FFF2-40B4-BE49-F238E27FC236}">
-                <a16:creationId xmlns:a16="http://schemas.microsoft.com/office/drawing/2014/main" id="{6EE51EE0-1C34-0C4C-F581-59A04E05CD89}"/>
+          <p:cNvPr id="9" name="Straight Arrow Connector 8">
+            <a:extLst>
+              <a:ext uri="{FF2B5EF4-FFF2-40B4-BE49-F238E27FC236}">
+                <a16:creationId xmlns:a16="http://schemas.microsoft.com/office/drawing/2014/main" id="{F692930F-FC2F-1E92-D9BC-9EF3FD173A15}"/>
               </a:ext>
             </a:extLst>
           </p:cNvPr>
           <p:cNvCxnSpPr>
-            <a:stCxn id="24" idx="3"/>
+            <a:endCxn id="4" idx="0"/>
           </p:cNvCxnSpPr>
           <p:nvPr/>
         </p:nvCxnSpPr>
         <p:spPr bwMode="auto">
           <a:xfrm>
-            <a:off x="2822104" y="2762622"/>
-            <a:ext cx="905307" cy="169168"/>
+            <a:off x="1619672" y="3255405"/>
+            <a:ext cx="1047087" cy="252449"/>
           </a:xfrm>
           <a:prstGeom prst="straightConnector1">
             <a:avLst/>
@@ -9920,6 +9174,973 @@
           </a:extLst>
         </p:spPr>
       </p:cxnSp>
+      <p:cxnSp>
+        <p:nvCxnSpPr>
+          <p:cNvPr id="10" name="Straight Arrow Connector 9">
+            <a:extLst>
+              <a:ext uri="{FF2B5EF4-FFF2-40B4-BE49-F238E27FC236}">
+                <a16:creationId xmlns:a16="http://schemas.microsoft.com/office/drawing/2014/main" id="{2A0818AB-4ADC-2D0F-2EDA-A9647B9C28ED}"/>
+              </a:ext>
+            </a:extLst>
+          </p:cNvPr>
+          <p:cNvCxnSpPr>
+            <a:stCxn id="7" idx="2"/>
+            <a:endCxn id="5" idx="0"/>
+          </p:cNvCxnSpPr>
+          <p:nvPr/>
+        </p:nvCxnSpPr>
+        <p:spPr bwMode="auto">
+          <a:xfrm flipH="1">
+            <a:off x="4779036" y="3072964"/>
+            <a:ext cx="2038462" cy="434890"/>
+          </a:xfrm>
+          <a:prstGeom prst="straightConnector1">
+            <a:avLst/>
+          </a:prstGeom>
+          <a:solidFill>
+            <a:schemeClr val="accent1"/>
+          </a:solidFill>
+          <a:ln w="9525" cap="flat" cmpd="sng" algn="ctr">
+            <a:solidFill>
+              <a:schemeClr val="tx1"/>
+            </a:solidFill>
+            <a:prstDash val="solid"/>
+            <a:round/>
+            <a:headEnd type="none" w="med" len="med"/>
+            <a:tailEnd type="triangle"/>
+          </a:ln>
+          <a:effectLst/>
+          <a:extLst>
+            <a:ext uri="{AF507438-7753-43E0-B8FC-AC1667EBCBE1}">
+              <a14:hiddenEffects xmlns:a14="http://schemas.microsoft.com/office/drawing/2010/main">
+                <a:effectLst>
+                  <a:outerShdw dist="35921" dir="2700000" algn="ctr" rotWithShape="0">
+                    <a:schemeClr val="bg2"/>
+                  </a:outerShdw>
+                </a:effectLst>
+              </a14:hiddenEffects>
+            </a:ext>
+          </a:extLst>
+        </p:spPr>
+      </p:cxnSp>
+    </p:spTree>
+    <p:extLst>
+      <p:ext uri="{BB962C8B-B14F-4D97-AF65-F5344CB8AC3E}">
+        <p14:creationId xmlns:p14="http://schemas.microsoft.com/office/powerpoint/2010/main" val="3315580785"/>
+      </p:ext>
+    </p:extLst>
+  </p:cSld>
+  <p:clrMapOvr>
+    <a:masterClrMapping/>
+  </p:clrMapOvr>
+</p:sld>
+</file>
+
+<file path=ppt/slides/slide23.xml><?xml version="1.0" encoding="utf-8"?>
+<p:sld xmlns:a="http://schemas.openxmlformats.org/drawingml/2006/main" xmlns:r="http://schemas.openxmlformats.org/officeDocument/2006/relationships" xmlns:p="http://schemas.openxmlformats.org/presentationml/2006/main">
+  <p:cSld>
+    <p:spTree>
+      <p:nvGrpSpPr>
+        <p:cNvPr id="1" name=""/>
+        <p:cNvGrpSpPr/>
+        <p:nvPr/>
+      </p:nvGrpSpPr>
+      <p:grpSpPr>
+        <a:xfrm>
+          <a:off x="0" y="0"/>
+          <a:ext cx="0" cy="0"/>
+          <a:chOff x="0" y="0"/>
+          <a:chExt cx="0" cy="0"/>
+        </a:xfrm>
+      </p:grpSpPr>
+      <p:sp>
+        <p:nvSpPr>
+          <p:cNvPr id="2" name="Title 1">
+            <a:extLst>
+              <a:ext uri="{FF2B5EF4-FFF2-40B4-BE49-F238E27FC236}">
+                <a16:creationId xmlns:a16="http://schemas.microsoft.com/office/drawing/2014/main" id="{9AEAFC1D-CA55-71A3-3309-69AFE828546A}"/>
+              </a:ext>
+            </a:extLst>
+          </p:cNvPr>
+          <p:cNvSpPr>
+            <a:spLocks noGrp="1"/>
+          </p:cNvSpPr>
+          <p:nvPr>
+            <p:ph type="title"/>
+          </p:nvPr>
+        </p:nvSpPr>
+        <p:spPr/>
+        <p:txBody>
+          <a:bodyPr/>
+          <a:lstStyle/>
+          <a:p>
+            <a:r>
+              <a:rPr lang="en-US" dirty="0" err="1"/>
+              <a:t>Conda</a:t>
+            </a:r>
+            <a:r>
+              <a:rPr lang="en-US" dirty="0"/>
+              <a:t> environment</a:t>
+            </a:r>
+          </a:p>
+        </p:txBody>
+      </p:sp>
+      <p:pic>
+        <p:nvPicPr>
+          <p:cNvPr id="4" name="Content Placeholder 3">
+            <a:extLst>
+              <a:ext uri="{FF2B5EF4-FFF2-40B4-BE49-F238E27FC236}">
+                <a16:creationId xmlns:a16="http://schemas.microsoft.com/office/drawing/2014/main" id="{96DBA81E-0195-10DA-BC98-9F95828C0DD5}"/>
+              </a:ext>
+            </a:extLst>
+          </p:cNvPr>
+          <p:cNvPicPr>
+            <a:picLocks noGrp="1" noChangeAspect="1"/>
+          </p:cNvPicPr>
+          <p:nvPr>
+            <p:ph idx="1"/>
+          </p:nvPr>
+        </p:nvPicPr>
+        <p:blipFill>
+          <a:blip r:embed="rId2"/>
+          <a:stretch>
+            <a:fillRect/>
+          </a:stretch>
+        </p:blipFill>
+        <p:spPr>
+          <a:xfrm>
+            <a:off x="5788157" y="3244241"/>
+            <a:ext cx="1807813" cy="1176784"/>
+          </a:xfrm>
+          <a:prstGeom prst="rect">
+            <a:avLst/>
+          </a:prstGeom>
+          <a:ln w="38100">
+            <a:solidFill>
+              <a:schemeClr val="tx2"/>
+            </a:solidFill>
+          </a:ln>
+        </p:spPr>
+      </p:pic>
+      <p:pic>
+        <p:nvPicPr>
+          <p:cNvPr id="5" name="Picture 4">
+            <a:extLst>
+              <a:ext uri="{FF2B5EF4-FFF2-40B4-BE49-F238E27FC236}">
+                <a16:creationId xmlns:a16="http://schemas.microsoft.com/office/drawing/2014/main" id="{48CAD13C-1FB3-9FD2-DFE5-C70CF5E47331}"/>
+              </a:ext>
+            </a:extLst>
+          </p:cNvPr>
+          <p:cNvPicPr>
+            <a:picLocks noChangeAspect="1"/>
+          </p:cNvPicPr>
+          <p:nvPr/>
+        </p:nvPicPr>
+        <p:blipFill>
+          <a:blip r:embed="rId3"/>
+          <a:stretch>
+            <a:fillRect/>
+          </a:stretch>
+        </p:blipFill>
+        <p:spPr>
+          <a:xfrm>
+            <a:off x="5788157" y="1419386"/>
+            <a:ext cx="1886357" cy="1032532"/>
+          </a:xfrm>
+          <a:prstGeom prst="rect">
+            <a:avLst/>
+          </a:prstGeom>
+          <a:ln w="38100">
+            <a:solidFill>
+              <a:schemeClr val="tx2"/>
+            </a:solidFill>
+          </a:ln>
+        </p:spPr>
+      </p:pic>
+      <p:pic>
+        <p:nvPicPr>
+          <p:cNvPr id="7" name="Picture 6">
+            <a:extLst>
+              <a:ext uri="{FF2B5EF4-FFF2-40B4-BE49-F238E27FC236}">
+                <a16:creationId xmlns:a16="http://schemas.microsoft.com/office/drawing/2014/main" id="{C345FAFE-7507-84F8-4A18-A519EE945C60}"/>
+              </a:ext>
+            </a:extLst>
+          </p:cNvPr>
+          <p:cNvPicPr>
+            <a:picLocks noChangeAspect="1"/>
+          </p:cNvPicPr>
+          <p:nvPr/>
+        </p:nvPicPr>
+        <p:blipFill>
+          <a:blip r:embed="rId4"/>
+          <a:stretch>
+            <a:fillRect/>
+          </a:stretch>
+        </p:blipFill>
+        <p:spPr>
+          <a:xfrm>
+            <a:off x="1293420" y="1935652"/>
+            <a:ext cx="2062424" cy="1457734"/>
+          </a:xfrm>
+          <a:prstGeom prst="rect">
+            <a:avLst/>
+          </a:prstGeom>
+          <a:ln w="38100">
+            <a:solidFill>
+              <a:schemeClr val="tx2"/>
+            </a:solidFill>
+          </a:ln>
+        </p:spPr>
+      </p:pic>
+      <p:sp>
+        <p:nvSpPr>
+          <p:cNvPr id="8" name="TextBox 7">
+            <a:extLst>
+              <a:ext uri="{FF2B5EF4-FFF2-40B4-BE49-F238E27FC236}">
+                <a16:creationId xmlns:a16="http://schemas.microsoft.com/office/drawing/2014/main" id="{BB1848EF-315F-CB84-D22D-CDD1235234A6}"/>
+              </a:ext>
+            </a:extLst>
+          </p:cNvPr>
+          <p:cNvSpPr txBox="1"/>
+          <p:nvPr/>
+        </p:nvSpPr>
+        <p:spPr>
+          <a:xfrm>
+            <a:off x="1624761" y="1491630"/>
+            <a:ext cx="1399742" cy="353943"/>
+          </a:xfrm>
+          <a:prstGeom prst="rect">
+            <a:avLst/>
+          </a:prstGeom>
+          <a:noFill/>
+        </p:spPr>
+        <p:txBody>
+          <a:bodyPr wrap="none" rtlCol="0">
+            <a:spAutoFit/>
+          </a:bodyPr>
+          <a:lstStyle/>
+          <a:p>
+            <a:r>
+              <a:rPr lang="en-US" dirty="0" err="1"/>
+              <a:t>Snakemake</a:t>
+            </a:r>
+            <a:r>
+              <a:rPr lang="en-US" dirty="0"/>
+              <a:t> </a:t>
+            </a:r>
+          </a:p>
+        </p:txBody>
+      </p:sp>
+      <p:sp>
+        <p:nvSpPr>
+          <p:cNvPr id="9" name="TextBox 8">
+            <a:extLst>
+              <a:ext uri="{FF2B5EF4-FFF2-40B4-BE49-F238E27FC236}">
+                <a16:creationId xmlns:a16="http://schemas.microsoft.com/office/drawing/2014/main" id="{174A0BC1-5E97-D802-5126-877C8C8D79FE}"/>
+              </a:ext>
+            </a:extLst>
+          </p:cNvPr>
+          <p:cNvSpPr txBox="1"/>
+          <p:nvPr/>
+        </p:nvSpPr>
+        <p:spPr>
+          <a:xfrm>
+            <a:off x="6365631" y="1072662"/>
+            <a:ext cx="659155" cy="353943"/>
+          </a:xfrm>
+          <a:prstGeom prst="rect">
+            <a:avLst/>
+          </a:prstGeom>
+          <a:noFill/>
+        </p:spPr>
+        <p:txBody>
+          <a:bodyPr wrap="none" rtlCol="0">
+            <a:spAutoFit/>
+          </a:bodyPr>
+          <a:lstStyle/>
+          <a:p>
+            <a:r>
+              <a:rPr lang="en-US" dirty="0" err="1"/>
+              <a:t>fastp</a:t>
+            </a:r>
+            <a:endParaRPr lang="en-US" dirty="0"/>
+          </a:p>
+        </p:txBody>
+      </p:sp>
+      <p:sp>
+        <p:nvSpPr>
+          <p:cNvPr id="10" name="TextBox 9">
+            <a:extLst>
+              <a:ext uri="{FF2B5EF4-FFF2-40B4-BE49-F238E27FC236}">
+                <a16:creationId xmlns:a16="http://schemas.microsoft.com/office/drawing/2014/main" id="{065CD4AC-C212-91FD-0251-A48839290228}"/>
+              </a:ext>
+            </a:extLst>
+          </p:cNvPr>
+          <p:cNvSpPr txBox="1"/>
+          <p:nvPr/>
+        </p:nvSpPr>
+        <p:spPr>
+          <a:xfrm>
+            <a:off x="5795507" y="2849025"/>
+            <a:ext cx="1959191" cy="353943"/>
+          </a:xfrm>
+          <a:prstGeom prst="rect">
+            <a:avLst/>
+          </a:prstGeom>
+          <a:noFill/>
+        </p:spPr>
+        <p:txBody>
+          <a:bodyPr wrap="none" rtlCol="0">
+            <a:spAutoFit/>
+          </a:bodyPr>
+          <a:lstStyle/>
+          <a:p>
+            <a:r>
+              <a:rPr lang="en-US" dirty="0"/>
+              <a:t>diamond &amp; </a:t>
+            </a:r>
+            <a:r>
+              <a:rPr lang="en-US" dirty="0" err="1"/>
+              <a:t>megan</a:t>
+            </a:r>
+            <a:endParaRPr lang="en-US" dirty="0"/>
+          </a:p>
+        </p:txBody>
+      </p:sp>
+      <p:sp>
+        <p:nvSpPr>
+          <p:cNvPr id="11" name="TextBox 10">
+            <a:extLst>
+              <a:ext uri="{FF2B5EF4-FFF2-40B4-BE49-F238E27FC236}">
+                <a16:creationId xmlns:a16="http://schemas.microsoft.com/office/drawing/2014/main" id="{869DFF4B-90DF-2D5B-239C-A7E87629ECAA}"/>
+              </a:ext>
+            </a:extLst>
+          </p:cNvPr>
+          <p:cNvSpPr txBox="1"/>
+          <p:nvPr/>
+        </p:nvSpPr>
+        <p:spPr>
+          <a:xfrm>
+            <a:off x="464988" y="3939902"/>
+            <a:ext cx="4581703" cy="353943"/>
+          </a:xfrm>
+          <a:prstGeom prst="rect">
+            <a:avLst/>
+          </a:prstGeom>
+          <a:noFill/>
+        </p:spPr>
+        <p:txBody>
+          <a:bodyPr wrap="none" rtlCol="0">
+            <a:spAutoFit/>
+          </a:bodyPr>
+          <a:lstStyle/>
+          <a:p>
+            <a:r>
+              <a:rPr lang="en-GB" dirty="0" err="1">
+                <a:effectLst/>
+              </a:rPr>
+              <a:t>conda</a:t>
+            </a:r>
+            <a:r>
+              <a:rPr lang="en-GB" dirty="0"/>
+              <a:t> </a:t>
+            </a:r>
+            <a:r>
+              <a:rPr lang="en-GB" dirty="0">
+                <a:effectLst/>
+              </a:rPr>
+              <a:t>env</a:t>
+            </a:r>
+            <a:r>
+              <a:rPr lang="en-GB" dirty="0"/>
+              <a:t> </a:t>
+            </a:r>
+            <a:r>
+              <a:rPr lang="en-GB" dirty="0">
+                <a:effectLst/>
+              </a:rPr>
+              <a:t>create</a:t>
+            </a:r>
+            <a:r>
+              <a:rPr lang="en-GB" dirty="0"/>
+              <a:t> </a:t>
+            </a:r>
+            <a:r>
+              <a:rPr lang="en-GB" dirty="0">
+                <a:solidFill>
+                  <a:srgbClr val="666666"/>
+                </a:solidFill>
+                <a:effectLst/>
+              </a:rPr>
+              <a:t>-</a:t>
+            </a:r>
+            <a:r>
+              <a:rPr lang="en-GB" dirty="0">
+                <a:effectLst/>
+              </a:rPr>
+              <a:t>f</a:t>
+            </a:r>
+            <a:r>
+              <a:rPr lang="en-GB" dirty="0"/>
+              <a:t> </a:t>
+            </a:r>
+            <a:r>
+              <a:rPr lang="en-GB" dirty="0" err="1">
+                <a:effectLst/>
+              </a:rPr>
+              <a:t>environment</a:t>
+            </a:r>
+            <a:r>
+              <a:rPr lang="en-GB" dirty="0" err="1">
+                <a:solidFill>
+                  <a:srgbClr val="666666"/>
+                </a:solidFill>
+                <a:effectLst/>
+              </a:rPr>
+              <a:t>.</a:t>
+            </a:r>
+            <a:r>
+              <a:rPr lang="en-GB" dirty="0" err="1">
+                <a:effectLst/>
+              </a:rPr>
+              <a:t>yml</a:t>
+            </a:r>
+            <a:r>
+              <a:rPr lang="en-GB" dirty="0">
+                <a:effectLst/>
+              </a:rPr>
+              <a:t> -n name</a:t>
+            </a:r>
+            <a:endParaRPr lang="en-US" dirty="0"/>
+          </a:p>
+        </p:txBody>
+      </p:sp>
+      <p:sp>
+        <p:nvSpPr>
+          <p:cNvPr id="12" name="TextBox 11">
+            <a:extLst>
+              <a:ext uri="{FF2B5EF4-FFF2-40B4-BE49-F238E27FC236}">
+                <a16:creationId xmlns:a16="http://schemas.microsoft.com/office/drawing/2014/main" id="{7C5C56CD-D13E-A17B-119D-7ED3E4A3DF05}"/>
+              </a:ext>
+            </a:extLst>
+          </p:cNvPr>
+          <p:cNvSpPr txBox="1"/>
+          <p:nvPr/>
+        </p:nvSpPr>
+        <p:spPr>
+          <a:xfrm>
+            <a:off x="2915816" y="862332"/>
+            <a:ext cx="2241319" cy="353943"/>
+          </a:xfrm>
+          <a:prstGeom prst="rect">
+            <a:avLst/>
+          </a:prstGeom>
+          <a:noFill/>
+        </p:spPr>
+        <p:txBody>
+          <a:bodyPr wrap="none" rtlCol="0">
+            <a:spAutoFit/>
+          </a:bodyPr>
+          <a:lstStyle/>
+          <a:p>
+            <a:r>
+              <a:rPr lang="en-US" dirty="0"/>
+              <a:t>https://</a:t>
+            </a:r>
+            <a:r>
+              <a:rPr lang="en-US" dirty="0" err="1"/>
+              <a:t>anaconda.org</a:t>
+            </a:r>
+            <a:r>
+              <a:rPr lang="en-US" dirty="0"/>
+              <a:t>/</a:t>
+            </a:r>
+          </a:p>
+        </p:txBody>
+      </p:sp>
+    </p:spTree>
+    <p:extLst>
+      <p:ext uri="{BB962C8B-B14F-4D97-AF65-F5344CB8AC3E}">
+        <p14:creationId xmlns:p14="http://schemas.microsoft.com/office/powerpoint/2010/main" val="849521559"/>
+      </p:ext>
+    </p:extLst>
+  </p:cSld>
+  <p:clrMapOvr>
+    <a:masterClrMapping/>
+  </p:clrMapOvr>
+</p:sld>
+</file>
+
+<file path=ppt/slides/slide3.xml><?xml version="1.0" encoding="utf-8"?>
+<p:sld xmlns:a="http://schemas.openxmlformats.org/drawingml/2006/main" xmlns:r="http://schemas.openxmlformats.org/officeDocument/2006/relationships" xmlns:p="http://schemas.openxmlformats.org/presentationml/2006/main">
+  <p:cSld>
+    <p:spTree>
+      <p:nvGrpSpPr>
+        <p:cNvPr id="1" name=""/>
+        <p:cNvGrpSpPr/>
+        <p:nvPr/>
+      </p:nvGrpSpPr>
+      <p:grpSpPr>
+        <a:xfrm>
+          <a:off x="0" y="0"/>
+          <a:ext cx="0" cy="0"/>
+          <a:chOff x="0" y="0"/>
+          <a:chExt cx="0" cy="0"/>
+        </a:xfrm>
+      </p:grpSpPr>
+      <p:sp>
+        <p:nvSpPr>
+          <p:cNvPr id="2" name="Title 1">
+            <a:extLst>
+              <a:ext uri="{FF2B5EF4-FFF2-40B4-BE49-F238E27FC236}">
+                <a16:creationId xmlns:a16="http://schemas.microsoft.com/office/drawing/2014/main" id="{B85E50DD-72B8-1BF3-5526-083FC2B7BB33}"/>
+              </a:ext>
+            </a:extLst>
+          </p:cNvPr>
+          <p:cNvSpPr>
+            <a:spLocks noGrp="1"/>
+          </p:cNvSpPr>
+          <p:nvPr>
+            <p:ph type="title"/>
+          </p:nvPr>
+        </p:nvSpPr>
+        <p:spPr/>
+        <p:txBody>
+          <a:bodyPr/>
+          <a:lstStyle/>
+          <a:p>
+            <a:r>
+              <a:rPr lang="en-US" dirty="0" err="1"/>
+              <a:t>Snakemake</a:t>
+            </a:r>
+            <a:r>
+              <a:rPr lang="en-US" dirty="0"/>
+              <a:t> intro</a:t>
+            </a:r>
+            <a:endParaRPr lang="en-DE" dirty="0"/>
+          </a:p>
+        </p:txBody>
+      </p:sp>
+      <p:pic>
+        <p:nvPicPr>
+          <p:cNvPr id="24" name="Graphic 23" descr="Scroll outline">
+            <a:extLst>
+              <a:ext uri="{FF2B5EF4-FFF2-40B4-BE49-F238E27FC236}">
+                <a16:creationId xmlns:a16="http://schemas.microsoft.com/office/drawing/2014/main" id="{9249547C-41BC-00F4-18BB-5E3DF2D7E2FE}"/>
+              </a:ext>
+            </a:extLst>
+          </p:cNvPr>
+          <p:cNvPicPr>
+            <a:picLocks noChangeAspect="1"/>
+          </p:cNvPicPr>
+          <p:nvPr/>
+        </p:nvPicPr>
+        <p:blipFill>
+          <a:blip r:embed="rId3">
+            <a:extLst>
+              <a:ext uri="{28A0092B-C50C-407E-A947-70E740481C1C}">
+                <a14:useLocalDpi xmlns:a14="http://schemas.microsoft.com/office/drawing/2010/main" val="0"/>
+              </a:ext>
+              <a:ext uri="{96DAC541-7B7A-43D3-8B79-37D633B846F1}">
+                <asvg:svgBlip xmlns:asvg="http://schemas.microsoft.com/office/drawing/2016/SVG/main" r:embed="rId4"/>
+              </a:ext>
+            </a:extLst>
+          </a:blip>
+          <a:stretch>
+            <a:fillRect/>
+          </a:stretch>
+        </p:blipFill>
+        <p:spPr>
+          <a:xfrm>
+            <a:off x="1907704" y="2305422"/>
+            <a:ext cx="914400" cy="914400"/>
+          </a:xfrm>
+          <a:prstGeom prst="rect">
+            <a:avLst/>
+          </a:prstGeom>
+        </p:spPr>
+      </p:pic>
+      <p:sp>
+        <p:nvSpPr>
+          <p:cNvPr id="26" name="TextBox 25">
+            <a:extLst>
+              <a:ext uri="{FF2B5EF4-FFF2-40B4-BE49-F238E27FC236}">
+                <a16:creationId xmlns:a16="http://schemas.microsoft.com/office/drawing/2014/main" id="{306AA149-A67A-E221-31FA-E0DA395F758A}"/>
+              </a:ext>
+            </a:extLst>
+          </p:cNvPr>
+          <p:cNvSpPr txBox="1"/>
+          <p:nvPr/>
+        </p:nvSpPr>
+        <p:spPr>
+          <a:xfrm>
+            <a:off x="467544" y="1209695"/>
+            <a:ext cx="6519734" cy="353943"/>
+          </a:xfrm>
+          <a:prstGeom prst="rect">
+            <a:avLst/>
+          </a:prstGeom>
+          <a:noFill/>
+        </p:spPr>
+        <p:txBody>
+          <a:bodyPr wrap="none" rtlCol="0">
+            <a:spAutoFit/>
+          </a:bodyPr>
+          <a:lstStyle/>
+          <a:p>
+            <a:r>
+              <a:rPr lang="en-US" dirty="0" err="1"/>
+              <a:t>snakemake</a:t>
+            </a:r>
+            <a:r>
+              <a:rPr lang="en-US" dirty="0"/>
+              <a:t> -s </a:t>
+            </a:r>
+            <a:r>
+              <a:rPr lang="en-US" dirty="0" err="1"/>
+              <a:t>Snakefile_simplified.smk</a:t>
+            </a:r>
+            <a:r>
+              <a:rPr lang="en-US" dirty="0"/>
+              <a:t> --use-</a:t>
+            </a:r>
+            <a:r>
+              <a:rPr lang="en-US" dirty="0" err="1"/>
+              <a:t>conda</a:t>
+            </a:r>
+            <a:r>
+              <a:rPr lang="en-US" dirty="0"/>
+              <a:t> --cores 8 -np</a:t>
+            </a:r>
+          </a:p>
+        </p:txBody>
+      </p:sp>
+      <p:cxnSp>
+        <p:nvCxnSpPr>
+          <p:cNvPr id="28" name="Straight Arrow Connector 27">
+            <a:extLst>
+              <a:ext uri="{FF2B5EF4-FFF2-40B4-BE49-F238E27FC236}">
+                <a16:creationId xmlns:a16="http://schemas.microsoft.com/office/drawing/2014/main" id="{8CE5AF7A-E17C-808C-DD75-C258C5F3B8AE}"/>
+              </a:ext>
+            </a:extLst>
+          </p:cNvPr>
+          <p:cNvCxnSpPr/>
+          <p:nvPr/>
+        </p:nvCxnSpPr>
+        <p:spPr bwMode="auto">
+          <a:xfrm>
+            <a:off x="1187624" y="1563638"/>
+            <a:ext cx="0" cy="720080"/>
+          </a:xfrm>
+          <a:prstGeom prst="straightConnector1">
+            <a:avLst/>
+          </a:prstGeom>
+          <a:solidFill>
+            <a:schemeClr val="accent1"/>
+          </a:solidFill>
+          <a:ln w="9525" cap="flat" cmpd="sng" algn="ctr">
+            <a:solidFill>
+              <a:schemeClr val="tx1"/>
+            </a:solidFill>
+            <a:prstDash val="solid"/>
+            <a:round/>
+            <a:headEnd type="none" w="med" len="med"/>
+            <a:tailEnd type="triangle"/>
+          </a:ln>
+          <a:effectLst/>
+          <a:extLst>
+            <a:ext uri="{AF507438-7753-43E0-B8FC-AC1667EBCBE1}">
+              <a14:hiddenEffects xmlns:a14="http://schemas.microsoft.com/office/drawing/2010/main">
+                <a:effectLst>
+                  <a:outerShdw dist="35921" dir="2700000" algn="ctr" rotWithShape="0">
+                    <a:schemeClr val="bg2"/>
+                  </a:outerShdw>
+                </a:effectLst>
+              </a14:hiddenEffects>
+            </a:ext>
+          </a:extLst>
+        </p:spPr>
+      </p:cxnSp>
+      <p:cxnSp>
+        <p:nvCxnSpPr>
+          <p:cNvPr id="29" name="Straight Arrow Connector 28">
+            <a:extLst>
+              <a:ext uri="{FF2B5EF4-FFF2-40B4-BE49-F238E27FC236}">
+                <a16:creationId xmlns:a16="http://schemas.microsoft.com/office/drawing/2014/main" id="{31ECCFE4-390D-8E53-24AD-22E14F60EC9A}"/>
+              </a:ext>
+            </a:extLst>
+          </p:cNvPr>
+          <p:cNvCxnSpPr/>
+          <p:nvPr/>
+        </p:nvCxnSpPr>
+        <p:spPr bwMode="auto">
+          <a:xfrm>
+            <a:off x="2322665" y="1576138"/>
+            <a:ext cx="0" cy="720080"/>
+          </a:xfrm>
+          <a:prstGeom prst="straightConnector1">
+            <a:avLst/>
+          </a:prstGeom>
+          <a:solidFill>
+            <a:schemeClr val="accent1"/>
+          </a:solidFill>
+          <a:ln w="9525" cap="flat" cmpd="sng" algn="ctr">
+            <a:solidFill>
+              <a:schemeClr val="tx1"/>
+            </a:solidFill>
+            <a:prstDash val="solid"/>
+            <a:round/>
+            <a:headEnd type="none" w="med" len="med"/>
+            <a:tailEnd type="triangle"/>
+          </a:ln>
+          <a:effectLst/>
+          <a:extLst>
+            <a:ext uri="{AF507438-7753-43E0-B8FC-AC1667EBCBE1}">
+              <a14:hiddenEffects xmlns:a14="http://schemas.microsoft.com/office/drawing/2010/main">
+                <a:effectLst>
+                  <a:outerShdw dist="35921" dir="2700000" algn="ctr" rotWithShape="0">
+                    <a:schemeClr val="bg2"/>
+                  </a:outerShdw>
+                </a:effectLst>
+              </a14:hiddenEffects>
+            </a:ext>
+          </a:extLst>
+        </p:spPr>
+      </p:cxnSp>
+      <p:pic>
+        <p:nvPicPr>
+          <p:cNvPr id="31" name="Graphic 30" descr="Document outline">
+            <a:extLst>
+              <a:ext uri="{FF2B5EF4-FFF2-40B4-BE49-F238E27FC236}">
+                <a16:creationId xmlns:a16="http://schemas.microsoft.com/office/drawing/2014/main" id="{F330E0FA-0732-663E-618D-FF14486B1465}"/>
+              </a:ext>
+            </a:extLst>
+          </p:cNvPr>
+          <p:cNvPicPr>
+            <a:picLocks noChangeAspect="1"/>
+          </p:cNvPicPr>
+          <p:nvPr/>
+        </p:nvPicPr>
+        <p:blipFill>
+          <a:blip r:embed="rId5">
+            <a:extLst>
+              <a:ext uri="{28A0092B-C50C-407E-A947-70E740481C1C}">
+                <a14:useLocalDpi xmlns:a14="http://schemas.microsoft.com/office/drawing/2010/main" val="0"/>
+              </a:ext>
+              <a:ext uri="{96DAC541-7B7A-43D3-8B79-37D633B846F1}">
+                <asvg:svgBlip xmlns:asvg="http://schemas.microsoft.com/office/drawing/2016/SVG/main" r:embed="rId6"/>
+              </a:ext>
+            </a:extLst>
+          </a:blip>
+          <a:stretch>
+            <a:fillRect/>
+          </a:stretch>
+        </p:blipFill>
+        <p:spPr>
+          <a:xfrm>
+            <a:off x="4114800" y="2571750"/>
+            <a:ext cx="457200" cy="457200"/>
+          </a:xfrm>
+          <a:prstGeom prst="rect">
+            <a:avLst/>
+          </a:prstGeom>
+        </p:spPr>
+      </p:pic>
+      <p:pic>
+        <p:nvPicPr>
+          <p:cNvPr id="32" name="Graphic 31" descr="Document outline">
+            <a:extLst>
+              <a:ext uri="{FF2B5EF4-FFF2-40B4-BE49-F238E27FC236}">
+                <a16:creationId xmlns:a16="http://schemas.microsoft.com/office/drawing/2014/main" id="{4E81EB61-D670-34C6-5C28-BE5B172F81EF}"/>
+              </a:ext>
+            </a:extLst>
+          </p:cNvPr>
+          <p:cNvPicPr>
+            <a:picLocks noChangeAspect="1"/>
+          </p:cNvPicPr>
+          <p:nvPr/>
+        </p:nvPicPr>
+        <p:blipFill>
+          <a:blip r:embed="rId5">
+            <a:extLst>
+              <a:ext uri="{28A0092B-C50C-407E-A947-70E740481C1C}">
+                <a14:useLocalDpi xmlns:a14="http://schemas.microsoft.com/office/drawing/2010/main" val="0"/>
+              </a:ext>
+              <a:ext uri="{96DAC541-7B7A-43D3-8B79-37D633B846F1}">
+                <asvg:svgBlip xmlns:asvg="http://schemas.microsoft.com/office/drawing/2016/SVG/main" r:embed="rId6"/>
+              </a:ext>
+            </a:extLst>
+          </a:blip>
+          <a:stretch>
+            <a:fillRect/>
+          </a:stretch>
+        </p:blipFill>
+        <p:spPr>
+          <a:xfrm>
+            <a:off x="3524658" y="2283203"/>
+            <a:ext cx="457200" cy="457200"/>
+          </a:xfrm>
+          <a:prstGeom prst="rect">
+            <a:avLst/>
+          </a:prstGeom>
+        </p:spPr>
+      </p:pic>
+      <p:pic>
+        <p:nvPicPr>
+          <p:cNvPr id="33" name="Graphic 32" descr="Document outline">
+            <a:extLst>
+              <a:ext uri="{FF2B5EF4-FFF2-40B4-BE49-F238E27FC236}">
+                <a16:creationId xmlns:a16="http://schemas.microsoft.com/office/drawing/2014/main" id="{CA7601EE-D42D-765C-47FE-3B19839D695B}"/>
+              </a:ext>
+            </a:extLst>
+          </p:cNvPr>
+          <p:cNvPicPr>
+            <a:picLocks noChangeAspect="1"/>
+          </p:cNvPicPr>
+          <p:nvPr/>
+        </p:nvPicPr>
+        <p:blipFill>
+          <a:blip r:embed="rId5">
+            <a:extLst>
+              <a:ext uri="{28A0092B-C50C-407E-A947-70E740481C1C}">
+                <a14:useLocalDpi xmlns:a14="http://schemas.microsoft.com/office/drawing/2010/main" val="0"/>
+              </a:ext>
+              <a:ext uri="{96DAC541-7B7A-43D3-8B79-37D633B846F1}">
+                <asvg:svgBlip xmlns:asvg="http://schemas.microsoft.com/office/drawing/2016/SVG/main" r:embed="rId6"/>
+              </a:ext>
+            </a:extLst>
+          </a:blip>
+          <a:stretch>
+            <a:fillRect/>
+          </a:stretch>
+        </p:blipFill>
+        <p:spPr>
+          <a:xfrm>
+            <a:off x="3498811" y="3179155"/>
+            <a:ext cx="457200" cy="457200"/>
+          </a:xfrm>
+          <a:prstGeom prst="rect">
+            <a:avLst/>
+          </a:prstGeom>
+        </p:spPr>
+      </p:pic>
+      <p:pic>
+        <p:nvPicPr>
+          <p:cNvPr id="35" name="Graphic 34" descr="Folder Search outline">
+            <a:extLst>
+              <a:ext uri="{FF2B5EF4-FFF2-40B4-BE49-F238E27FC236}">
+                <a16:creationId xmlns:a16="http://schemas.microsoft.com/office/drawing/2014/main" id="{0A6413EB-4C23-A077-8E0F-2786E0CDDF55}"/>
+              </a:ext>
+            </a:extLst>
+          </p:cNvPr>
+          <p:cNvPicPr>
+            <a:picLocks noChangeAspect="1"/>
+          </p:cNvPicPr>
+          <p:nvPr/>
+        </p:nvPicPr>
+        <p:blipFill>
+          <a:blip r:embed="rId7">
+            <a:extLst>
+              <a:ext uri="{28A0092B-C50C-407E-A947-70E740481C1C}">
+                <a14:useLocalDpi xmlns:a14="http://schemas.microsoft.com/office/drawing/2010/main" val="0"/>
+              </a:ext>
+              <a:ext uri="{96DAC541-7B7A-43D3-8B79-37D633B846F1}">
+                <asvg:svgBlip xmlns:asvg="http://schemas.microsoft.com/office/drawing/2016/SVG/main" r:embed="rId8"/>
+              </a:ext>
+            </a:extLst>
+          </a:blip>
+          <a:stretch>
+            <a:fillRect/>
+          </a:stretch>
+        </p:blipFill>
+        <p:spPr>
+          <a:xfrm>
+            <a:off x="4114800" y="3179155"/>
+            <a:ext cx="601216" cy="601216"/>
+          </a:xfrm>
+          <a:prstGeom prst="rect">
+            <a:avLst/>
+          </a:prstGeom>
+        </p:spPr>
+      </p:pic>
+      <p:cxnSp>
+        <p:nvCxnSpPr>
+          <p:cNvPr id="36" name="Straight Arrow Connector 35">
+            <a:extLst>
+              <a:ext uri="{FF2B5EF4-FFF2-40B4-BE49-F238E27FC236}">
+                <a16:creationId xmlns:a16="http://schemas.microsoft.com/office/drawing/2014/main" id="{6EE51EE0-1C34-0C4C-F581-59A04E05CD89}"/>
+              </a:ext>
+            </a:extLst>
+          </p:cNvPr>
+          <p:cNvCxnSpPr>
+            <a:stCxn id="24" idx="3"/>
+          </p:cNvCxnSpPr>
+          <p:nvPr/>
+        </p:nvCxnSpPr>
+        <p:spPr bwMode="auto">
+          <a:xfrm>
+            <a:off x="2822104" y="2762622"/>
+            <a:ext cx="905307" cy="169168"/>
+          </a:xfrm>
+          <a:prstGeom prst="straightConnector1">
+            <a:avLst/>
+          </a:prstGeom>
+          <a:solidFill>
+            <a:schemeClr val="accent1"/>
+          </a:solidFill>
+          <a:ln w="9525" cap="flat" cmpd="sng" algn="ctr">
+            <a:solidFill>
+              <a:schemeClr val="tx1"/>
+            </a:solidFill>
+            <a:prstDash val="solid"/>
+            <a:round/>
+            <a:headEnd type="none" w="med" len="med"/>
+            <a:tailEnd type="triangle"/>
+          </a:ln>
+          <a:effectLst/>
+          <a:extLst>
+            <a:ext uri="{AF507438-7753-43E0-B8FC-AC1667EBCBE1}">
+              <a14:hiddenEffects xmlns:a14="http://schemas.microsoft.com/office/drawing/2010/main">
+                <a:effectLst>
+                  <a:outerShdw dist="35921" dir="2700000" algn="ctr" rotWithShape="0">
+                    <a:schemeClr val="bg2"/>
+                  </a:outerShdw>
+                </a:effectLst>
+              </a14:hiddenEffects>
+            </a:ext>
+          </a:extLst>
+        </p:spPr>
+      </p:cxnSp>
+      <p:pic>
+        <p:nvPicPr>
+          <p:cNvPr id="3" name="Picture 2">
+            <a:extLst>
+              <a:ext uri="{FF2B5EF4-FFF2-40B4-BE49-F238E27FC236}">
+                <a16:creationId xmlns:a16="http://schemas.microsoft.com/office/drawing/2014/main" id="{166884AE-B0F5-CA12-2E3A-16E9309BBEED}"/>
+              </a:ext>
+            </a:extLst>
+          </p:cNvPr>
+          <p:cNvPicPr>
+            <a:picLocks noChangeAspect="1"/>
+          </p:cNvPicPr>
+          <p:nvPr/>
+        </p:nvPicPr>
+        <p:blipFill>
+          <a:blip r:embed="rId9"/>
+          <a:stretch>
+            <a:fillRect/>
+          </a:stretch>
+        </p:blipFill>
+        <p:spPr>
+          <a:xfrm>
+            <a:off x="265288" y="2411329"/>
+            <a:ext cx="1584322" cy="452663"/>
+          </a:xfrm>
+          <a:prstGeom prst="rect">
+            <a:avLst/>
+          </a:prstGeom>
+        </p:spPr>
+      </p:pic>
     </p:spTree>
     <p:extLst>
       <p:ext uri="{BB962C8B-B14F-4D97-AF65-F5344CB8AC3E}">
@@ -9985,10 +10206,10 @@
       </p:sp>
       <p:pic>
         <p:nvPicPr>
-          <p:cNvPr id="22" name="Graphic 21" descr="Cmd Terminal outline">
-            <a:extLst>
-              <a:ext uri="{FF2B5EF4-FFF2-40B4-BE49-F238E27FC236}">
-                <a16:creationId xmlns:a16="http://schemas.microsoft.com/office/drawing/2014/main" id="{6D44B89E-0D67-1A13-C1D5-CE8F037AE0A6}"/>
+          <p:cNvPr id="24" name="Graphic 23" descr="Scroll outline">
+            <a:extLst>
+              <a:ext uri="{FF2B5EF4-FFF2-40B4-BE49-F238E27FC236}">
+                <a16:creationId xmlns:a16="http://schemas.microsoft.com/office/drawing/2014/main" id="{9249547C-41BC-00F4-18BB-5E3DF2D7E2FE}"/>
               </a:ext>
             </a:extLst>
           </p:cNvPr>
@@ -10005,45 +10226,6 @@
               </a:ext>
               <a:ext uri="{96DAC541-7B7A-43D3-8B79-37D633B846F1}">
                 <asvg:svgBlip xmlns:asvg="http://schemas.microsoft.com/office/drawing/2016/SVG/main" r:embed="rId4"/>
-              </a:ext>
-            </a:extLst>
-          </a:blip>
-          <a:stretch>
-            <a:fillRect/>
-          </a:stretch>
-        </p:blipFill>
-        <p:spPr>
-          <a:xfrm>
-            <a:off x="777280" y="2305422"/>
-            <a:ext cx="914400" cy="914400"/>
-          </a:xfrm>
-          <a:prstGeom prst="rect">
-            <a:avLst/>
-          </a:prstGeom>
-        </p:spPr>
-      </p:pic>
-      <p:pic>
-        <p:nvPicPr>
-          <p:cNvPr id="24" name="Graphic 23" descr="Scroll outline">
-            <a:extLst>
-              <a:ext uri="{FF2B5EF4-FFF2-40B4-BE49-F238E27FC236}">
-                <a16:creationId xmlns:a16="http://schemas.microsoft.com/office/drawing/2014/main" id="{9249547C-41BC-00F4-18BB-5E3DF2D7E2FE}"/>
-              </a:ext>
-            </a:extLst>
-          </p:cNvPr>
-          <p:cNvPicPr>
-            <a:picLocks noChangeAspect="1"/>
-          </p:cNvPicPr>
-          <p:nvPr/>
-        </p:nvPicPr>
-        <p:blipFill>
-          <a:blip r:embed="rId5">
-            <a:extLst>
-              <a:ext uri="{28A0092B-C50C-407E-A947-70E740481C1C}">
-                <a14:useLocalDpi xmlns:a14="http://schemas.microsoft.com/office/drawing/2010/main" val="0"/>
-              </a:ext>
-              <a:ext uri="{96DAC541-7B7A-43D3-8B79-37D633B846F1}">
-                <asvg:svgBlip xmlns:asvg="http://schemas.microsoft.com/office/drawing/2016/SVG/main" r:embed="rId6"/>
               </a:ext>
             </a:extLst>
           </a:blip>
@@ -10223,13 +10405,13 @@
           <p:nvPr/>
         </p:nvPicPr>
         <p:blipFill>
-          <a:blip r:embed="rId7">
+          <a:blip r:embed="rId5">
             <a:extLst>
               <a:ext uri="{28A0092B-C50C-407E-A947-70E740481C1C}">
                 <a14:useLocalDpi xmlns:a14="http://schemas.microsoft.com/office/drawing/2010/main" val="0"/>
               </a:ext>
               <a:ext uri="{96DAC541-7B7A-43D3-8B79-37D633B846F1}">
-                <asvg:svgBlip xmlns:asvg="http://schemas.microsoft.com/office/drawing/2016/SVG/main" r:embed="rId8"/>
+                <asvg:svgBlip xmlns:asvg="http://schemas.microsoft.com/office/drawing/2016/SVG/main" r:embed="rId6"/>
               </a:ext>
             </a:extLst>
           </a:blip>
@@ -10262,13 +10444,13 @@
           <p:nvPr/>
         </p:nvPicPr>
         <p:blipFill>
-          <a:blip r:embed="rId7">
+          <a:blip r:embed="rId5">
             <a:extLst>
               <a:ext uri="{28A0092B-C50C-407E-A947-70E740481C1C}">
                 <a14:useLocalDpi xmlns:a14="http://schemas.microsoft.com/office/drawing/2010/main" val="0"/>
               </a:ext>
               <a:ext uri="{96DAC541-7B7A-43D3-8B79-37D633B846F1}">
-                <asvg:svgBlip xmlns:asvg="http://schemas.microsoft.com/office/drawing/2016/SVG/main" r:embed="rId8"/>
+                <asvg:svgBlip xmlns:asvg="http://schemas.microsoft.com/office/drawing/2016/SVG/main" r:embed="rId6"/>
               </a:ext>
             </a:extLst>
           </a:blip>
@@ -10301,13 +10483,13 @@
           <p:nvPr/>
         </p:nvPicPr>
         <p:blipFill>
-          <a:blip r:embed="rId7">
+          <a:blip r:embed="rId5">
             <a:extLst>
               <a:ext uri="{28A0092B-C50C-407E-A947-70E740481C1C}">
                 <a14:useLocalDpi xmlns:a14="http://schemas.microsoft.com/office/drawing/2010/main" val="0"/>
               </a:ext>
               <a:ext uri="{96DAC541-7B7A-43D3-8B79-37D633B846F1}">
-                <asvg:svgBlip xmlns:asvg="http://schemas.microsoft.com/office/drawing/2016/SVG/main" r:embed="rId8"/>
+                <asvg:svgBlip xmlns:asvg="http://schemas.microsoft.com/office/drawing/2016/SVG/main" r:embed="rId6"/>
               </a:ext>
             </a:extLst>
           </a:blip>
@@ -10340,13 +10522,13 @@
           <p:nvPr/>
         </p:nvPicPr>
         <p:blipFill>
-          <a:blip r:embed="rId9">
+          <a:blip r:embed="rId7">
             <a:extLst>
               <a:ext uri="{28A0092B-C50C-407E-A947-70E740481C1C}">
                 <a14:useLocalDpi xmlns:a14="http://schemas.microsoft.com/office/drawing/2010/main" val="0"/>
               </a:ext>
               <a:ext uri="{96DAC541-7B7A-43D3-8B79-37D633B846F1}">
-                <asvg:svgBlip xmlns:asvg="http://schemas.microsoft.com/office/drawing/2016/SVG/main" r:embed="rId10"/>
+                <asvg:svgBlip xmlns:asvg="http://schemas.microsoft.com/office/drawing/2016/SVG/main" r:embed="rId8"/>
               </a:ext>
             </a:extLst>
           </a:blip>
@@ -10481,6 +10663,36 @@
           </a:p>
         </p:txBody>
       </p:sp>
+      <p:pic>
+        <p:nvPicPr>
+          <p:cNvPr id="3" name="Picture 2">
+            <a:extLst>
+              <a:ext uri="{FF2B5EF4-FFF2-40B4-BE49-F238E27FC236}">
+                <a16:creationId xmlns:a16="http://schemas.microsoft.com/office/drawing/2014/main" id="{C36A4401-B695-4A54-BA18-4BB9EC1F465C}"/>
+              </a:ext>
+            </a:extLst>
+          </p:cNvPr>
+          <p:cNvPicPr>
+            <a:picLocks noChangeAspect="1"/>
+          </p:cNvPicPr>
+          <p:nvPr/>
+        </p:nvPicPr>
+        <p:blipFill>
+          <a:blip r:embed="rId9"/>
+          <a:stretch>
+            <a:fillRect/>
+          </a:stretch>
+        </p:blipFill>
+        <p:spPr>
+          <a:xfrm>
+            <a:off x="108849" y="2360875"/>
+            <a:ext cx="1584322" cy="452663"/>
+          </a:xfrm>
+          <a:prstGeom prst="rect">
+            <a:avLst/>
+          </a:prstGeom>
+        </p:spPr>
+      </p:pic>
     </p:spTree>
     <p:extLst>
       <p:ext uri="{BB962C8B-B14F-4D97-AF65-F5344CB8AC3E}">
@@ -11495,6 +11707,82 @@
           </a:prstGeom>
         </p:spPr>
       </p:pic>
+      <p:sp>
+        <p:nvSpPr>
+          <p:cNvPr id="6" name="TextBox 5">
+            <a:extLst>
+              <a:ext uri="{FF2B5EF4-FFF2-40B4-BE49-F238E27FC236}">
+                <a16:creationId xmlns:a16="http://schemas.microsoft.com/office/drawing/2014/main" id="{5D04E0B2-81CB-6E57-4C37-22DE9D9234FC}"/>
+              </a:ext>
+            </a:extLst>
+          </p:cNvPr>
+          <p:cNvSpPr txBox="1"/>
+          <p:nvPr/>
+        </p:nvSpPr>
+        <p:spPr>
+          <a:xfrm>
+            <a:off x="6232712" y="2447365"/>
+            <a:ext cx="2521844" cy="877163"/>
+          </a:xfrm>
+          <a:prstGeom prst="rect">
+            <a:avLst/>
+          </a:prstGeom>
+          <a:noFill/>
+        </p:spPr>
+        <p:txBody>
+          <a:bodyPr wrap="none" rtlCol="0">
+            <a:spAutoFit/>
+          </a:bodyPr>
+          <a:lstStyle/>
+          <a:p>
+            <a:r>
+              <a:rPr lang="en-US" dirty="0"/>
+              <a:t>-np </a:t>
+            </a:r>
+            <a:r>
+              <a:rPr lang="en-US" dirty="0">
+                <a:sym typeface="Wingdings" pitchFamily="2" charset="2"/>
+              </a:rPr>
+              <a:t> don’t do </a:t>
+            </a:r>
+            <a:r>
+              <a:rPr lang="en-US" dirty="0" err="1">
+                <a:sym typeface="Wingdings" pitchFamily="2" charset="2"/>
+              </a:rPr>
+              <a:t>anyting</a:t>
+            </a:r>
+            <a:r>
+              <a:rPr lang="en-US" dirty="0">
+                <a:sym typeface="Wingdings" pitchFamily="2" charset="2"/>
+              </a:rPr>
+              <a:t>, </a:t>
+            </a:r>
+            <a:br>
+              <a:rPr lang="en-US" dirty="0">
+                <a:sym typeface="Wingdings" pitchFamily="2" charset="2"/>
+              </a:rPr>
+            </a:br>
+            <a:r>
+              <a:rPr lang="en-US" dirty="0">
+                <a:sym typeface="Wingdings" pitchFamily="2" charset="2"/>
+              </a:rPr>
+              <a:t>just check if all data is </a:t>
+            </a:r>
+            <a:br>
+              <a:rPr lang="en-US" dirty="0">
+                <a:sym typeface="Wingdings" pitchFamily="2" charset="2"/>
+              </a:rPr>
+            </a:br>
+            <a:r>
+              <a:rPr lang="en-US" dirty="0">
+                <a:sym typeface="Wingdings" pitchFamily="2" charset="2"/>
+              </a:rPr>
+              <a:t>available</a:t>
+            </a:r>
+            <a:endParaRPr lang="en-US" dirty="0"/>
+          </a:p>
+        </p:txBody>
+      </p:sp>
     </p:spTree>
     <p:extLst>
       <p:ext uri="{BB962C8B-B14F-4D97-AF65-F5344CB8AC3E}">
